--- a/Módulo 01 - HTML e CSS/Aula 02 - Introdução ao HTML/Introdução ao HTML.pptx
+++ b/Módulo 01 - HTML e CSS/Aula 02 - Introdução ao HTML/Introdução ao HTML.pptx
@@ -5,10 +5,10 @@
     <p:sldMasterId id="2147483677" r:id="rId1"/>
   </p:sldMasterIdLst>
   <p:notesMasterIdLst>
-    <p:notesMasterId r:id="rId18"/>
+    <p:notesMasterId r:id="rId22"/>
   </p:notesMasterIdLst>
   <p:handoutMasterIdLst>
-    <p:handoutMasterId r:id="rId19"/>
+    <p:handoutMasterId r:id="rId23"/>
   </p:handoutMasterIdLst>
   <p:sldIdLst>
     <p:sldId id="256" r:id="rId2"/>
@@ -16,17 +16,21 @@
     <p:sldId id="259" r:id="rId4"/>
     <p:sldId id="260" r:id="rId5"/>
     <p:sldId id="262" r:id="rId6"/>
-    <p:sldId id="267" r:id="rId7"/>
-    <p:sldId id="268" r:id="rId8"/>
-    <p:sldId id="269" r:id="rId9"/>
-    <p:sldId id="270" r:id="rId10"/>
-    <p:sldId id="271" r:id="rId11"/>
-    <p:sldId id="272" r:id="rId12"/>
-    <p:sldId id="273" r:id="rId13"/>
-    <p:sldId id="274" r:id="rId14"/>
-    <p:sldId id="275" r:id="rId15"/>
-    <p:sldId id="276" r:id="rId16"/>
-    <p:sldId id="277" r:id="rId17"/>
+    <p:sldId id="279" r:id="rId7"/>
+    <p:sldId id="267" r:id="rId8"/>
+    <p:sldId id="281" r:id="rId9"/>
+    <p:sldId id="268" r:id="rId10"/>
+    <p:sldId id="280" r:id="rId11"/>
+    <p:sldId id="269" r:id="rId12"/>
+    <p:sldId id="270" r:id="rId13"/>
+    <p:sldId id="271" r:id="rId14"/>
+    <p:sldId id="272" r:id="rId15"/>
+    <p:sldId id="273" r:id="rId16"/>
+    <p:sldId id="274" r:id="rId17"/>
+    <p:sldId id="275" r:id="rId18"/>
+    <p:sldId id="282" r:id="rId19"/>
+    <p:sldId id="276" r:id="rId20"/>
+    <p:sldId id="277" r:id="rId21"/>
   </p:sldIdLst>
   <p:sldSz cx="12192000" cy="6858000"/>
   <p:notesSz cx="6858000" cy="9144000"/>
@@ -241,7 +245,7 @@
           <a:p>
             <a:fld id="{0F28648D-752F-4D9E-8EC2-61293C3E9BC7}" type="datetimeFigureOut">
               <a:rPr lang="pt-BR" smtClean="0"/>
-              <a:t>21/01/2025</a:t>
+              <a:t>04/02/2025</a:t>
             </a:fld>
             <a:endParaRPr lang="pt-BR"/>
           </a:p>
@@ -418,7 +422,7 @@
           <a:p>
             <a:fld id="{C67E822F-2664-47C4-8404-83B1D4D0E6EE}" type="datetimeFigureOut">
               <a:rPr lang="pt-BR" smtClean="0"/>
-              <a:t>21/01/2025</a:t>
+              <a:t>04/02/2025</a:t>
             </a:fld>
             <a:endParaRPr lang="pt-BR"/>
           </a:p>
@@ -1121,7 +1125,7 @@
           <a:p>
             <a:fld id="{CDD55C27-F8C6-4481-8569-CAC50CAE9F1F}" type="datetimeFigureOut">
               <a:rPr lang="pt-BR" smtClean="0"/>
-              <a:t>21/01/2025</a:t>
+              <a:t>04/02/2025</a:t>
             </a:fld>
             <a:endParaRPr lang="pt-BR"/>
           </a:p>
@@ -1611,7 +1615,7 @@
           <a:p>
             <a:fld id="{CDD55C27-F8C6-4481-8569-CAC50CAE9F1F}" type="datetimeFigureOut">
               <a:rPr lang="pt-BR" smtClean="0"/>
-              <a:t>21/01/2025</a:t>
+              <a:t>04/02/2025</a:t>
             </a:fld>
             <a:endParaRPr lang="pt-BR"/>
           </a:p>
@@ -1914,7 +1918,7 @@
           <a:p>
             <a:fld id="{CDD55C27-F8C6-4481-8569-CAC50CAE9F1F}" type="datetimeFigureOut">
               <a:rPr lang="pt-BR" smtClean="0"/>
-              <a:t>21/01/2025</a:t>
+              <a:t>04/02/2025</a:t>
             </a:fld>
             <a:endParaRPr lang="pt-BR"/>
           </a:p>
@@ -2365,7 +2369,7 @@
           <a:p>
             <a:fld id="{CDD55C27-F8C6-4481-8569-CAC50CAE9F1F}" type="datetimeFigureOut">
               <a:rPr lang="pt-BR" smtClean="0"/>
-              <a:t>21/01/2025</a:t>
+              <a:t>04/02/2025</a:t>
             </a:fld>
             <a:endParaRPr lang="pt-BR"/>
           </a:p>
@@ -2538,7 +2542,7 @@
           <a:p>
             <a:fld id="{CDD55C27-F8C6-4481-8569-CAC50CAE9F1F}" type="datetimeFigureOut">
               <a:rPr lang="pt-BR" smtClean="0"/>
-              <a:t>21/01/2025</a:t>
+              <a:t>04/02/2025</a:t>
             </a:fld>
             <a:endParaRPr lang="pt-BR"/>
           </a:p>
@@ -2675,7 +2679,7 @@
           <a:p>
             <a:fld id="{CDD55C27-F8C6-4481-8569-CAC50CAE9F1F}" type="datetimeFigureOut">
               <a:rPr lang="pt-BR" smtClean="0"/>
-              <a:t>21/01/2025</a:t>
+              <a:t>04/02/2025</a:t>
             </a:fld>
             <a:endParaRPr lang="pt-BR"/>
           </a:p>
@@ -3019,7 +3023,7 @@
           <a:p>
             <a:fld id="{CDD55C27-F8C6-4481-8569-CAC50CAE9F1F}" type="datetimeFigureOut">
               <a:rPr lang="pt-BR" smtClean="0"/>
-              <a:t>21/01/2025</a:t>
+              <a:t>04/02/2025</a:t>
             </a:fld>
             <a:endParaRPr lang="pt-BR"/>
           </a:p>
@@ -3340,7 +3344,7 @@
           <a:p>
             <a:fld id="{CDD55C27-F8C6-4481-8569-CAC50CAE9F1F}" type="datetimeFigureOut">
               <a:rPr lang="pt-BR" smtClean="0"/>
-              <a:t>21/01/2025</a:t>
+              <a:t>04/02/2025</a:t>
             </a:fld>
             <a:endParaRPr lang="pt-BR"/>
           </a:p>
@@ -3979,6 +3983,1113 @@
           <p:cNvPr id="2" name="Título 1">
             <a:extLst>
               <a:ext uri="{FF2B5EF4-FFF2-40B4-BE49-F238E27FC236}">
+                <a16:creationId xmlns:a16="http://schemas.microsoft.com/office/drawing/2014/main" id="{148F4045-1C94-4C43-9DB4-25B7A36A6F89}"/>
+              </a:ext>
+            </a:extLst>
+          </p:cNvPr>
+          <p:cNvSpPr>
+            <a:spLocks noGrp="1"/>
+          </p:cNvSpPr>
+          <p:nvPr>
+            <p:ph type="title"/>
+          </p:nvPr>
+        </p:nvSpPr>
+        <p:spPr/>
+        <p:txBody>
+          <a:bodyPr/>
+          <a:lstStyle/>
+          <a:p>
+            <a:r>
+              <a:rPr lang="pt-BR" dirty="0"/>
+              <a:t>Desafio: Crie uma Lista de Passos para uma Receita</a:t>
+            </a:r>
+          </a:p>
+        </p:txBody>
+      </p:sp>
+      <p:sp>
+        <p:nvSpPr>
+          <p:cNvPr id="3" name="Espaço Reservado para Conteúdo 2">
+            <a:extLst>
+              <a:ext uri="{FF2B5EF4-FFF2-40B4-BE49-F238E27FC236}">
+                <a16:creationId xmlns:a16="http://schemas.microsoft.com/office/drawing/2014/main" id="{5DBAC702-E0EB-4DDB-818E-7F917DDC6FE5}"/>
+              </a:ext>
+            </a:extLst>
+          </p:cNvPr>
+          <p:cNvSpPr>
+            <a:spLocks noGrp="1"/>
+          </p:cNvSpPr>
+          <p:nvPr>
+            <p:ph idx="1"/>
+          </p:nvPr>
+        </p:nvSpPr>
+        <p:spPr>
+          <a:xfrm>
+            <a:off x="592347" y="1844675"/>
+            <a:ext cx="11007306" cy="2130166"/>
+          </a:xfrm>
+        </p:spPr>
+        <p:txBody>
+          <a:bodyPr/>
+          <a:lstStyle/>
+          <a:p>
+            <a:r>
+              <a:rPr lang="pt-BR" dirty="0"/>
+              <a:t>Seu desafio é criar uma lista ordenada (&lt;</a:t>
+            </a:r>
+            <a:r>
+              <a:rPr lang="pt-BR" dirty="0" err="1"/>
+              <a:t>ol</a:t>
+            </a:r>
+            <a:r>
+              <a:rPr lang="pt-BR" dirty="0"/>
+              <a:t>&gt;) com o passo a passo de uma receita simples.</a:t>
+            </a:r>
+          </a:p>
+          <a:p>
+            <a:pPr marL="1028700" lvl="1" indent="-342900"/>
+            <a:r>
+              <a:rPr lang="pt-BR" dirty="0"/>
+              <a:t>Use &lt;h2&gt; para o nome da receita.</a:t>
+            </a:r>
+          </a:p>
+          <a:p>
+            <a:pPr marL="1028700" lvl="1" indent="-342900"/>
+            <a:r>
+              <a:rPr lang="pt-BR" dirty="0"/>
+              <a:t>Use &lt;p&gt; para uma pequena descrição da receita.</a:t>
+            </a:r>
+          </a:p>
+          <a:p>
+            <a:pPr marL="1028700" lvl="1" indent="-342900"/>
+            <a:r>
+              <a:rPr lang="pt-BR" dirty="0"/>
+              <a:t>Use &lt;</a:t>
+            </a:r>
+            <a:r>
+              <a:rPr lang="pt-BR" dirty="0" err="1"/>
+              <a:t>ol</a:t>
+            </a:r>
+            <a:r>
+              <a:rPr lang="pt-BR" dirty="0"/>
+              <a:t>&gt; para listar os passos da preparação.</a:t>
+            </a:r>
+          </a:p>
+        </p:txBody>
+      </p:sp>
+    </p:spTree>
+    <p:extLst>
+      <p:ext uri="{BB962C8B-B14F-4D97-AF65-F5344CB8AC3E}">
+        <p14:creationId xmlns:p14="http://schemas.microsoft.com/office/powerpoint/2010/main" val="3617713858"/>
+      </p:ext>
+    </p:extLst>
+  </p:cSld>
+  <p:clrMapOvr>
+    <a:masterClrMapping/>
+  </p:clrMapOvr>
+</p:sld>
+</file>
+
+<file path=ppt/slides/slide11.xml><?xml version="1.0" encoding="utf-8"?>
+<p:sld xmlns:a="http://schemas.openxmlformats.org/drawingml/2006/main" xmlns:r="http://schemas.openxmlformats.org/officeDocument/2006/relationships" xmlns:p="http://schemas.openxmlformats.org/presentationml/2006/main">
+  <p:cSld>
+    <p:spTree>
+      <p:nvGrpSpPr>
+        <p:cNvPr id="1" name=""/>
+        <p:cNvGrpSpPr/>
+        <p:nvPr/>
+      </p:nvGrpSpPr>
+      <p:grpSpPr>
+        <a:xfrm>
+          <a:off x="0" y="0"/>
+          <a:ext cx="0" cy="0"/>
+          <a:chOff x="0" y="0"/>
+          <a:chExt cx="0" cy="0"/>
+        </a:xfrm>
+      </p:grpSpPr>
+      <p:sp>
+        <p:nvSpPr>
+          <p:cNvPr id="2" name="Título 1">
+            <a:extLst>
+              <a:ext uri="{FF2B5EF4-FFF2-40B4-BE49-F238E27FC236}">
+                <a16:creationId xmlns:a16="http://schemas.microsoft.com/office/drawing/2014/main" id="{839263D6-67E3-41D2-A3F9-23DA1F4C4E89}"/>
+              </a:ext>
+            </a:extLst>
+          </p:cNvPr>
+          <p:cNvSpPr>
+            <a:spLocks noGrp="1"/>
+          </p:cNvSpPr>
+          <p:nvPr>
+            <p:ph type="title"/>
+          </p:nvPr>
+        </p:nvSpPr>
+        <p:spPr/>
+        <p:txBody>
+          <a:bodyPr/>
+          <a:lstStyle/>
+          <a:p>
+            <a:r>
+              <a:rPr lang="pt-BR" dirty="0"/>
+              <a:t>Atributos das listas</a:t>
+            </a:r>
+          </a:p>
+        </p:txBody>
+      </p:sp>
+      <p:cxnSp>
+        <p:nvCxnSpPr>
+          <p:cNvPr id="5" name="Conector reto 4">
+            <a:extLst>
+              <a:ext uri="{FF2B5EF4-FFF2-40B4-BE49-F238E27FC236}">
+                <a16:creationId xmlns:a16="http://schemas.microsoft.com/office/drawing/2014/main" id="{5AB5DC9D-EF4C-46A8-AC5D-0CD37A422354}"/>
+              </a:ext>
+            </a:extLst>
+          </p:cNvPr>
+          <p:cNvCxnSpPr>
+            <a:cxnSpLocks/>
+          </p:cNvCxnSpPr>
+          <p:nvPr/>
+        </p:nvCxnSpPr>
+        <p:spPr>
+          <a:xfrm>
+            <a:off x="6096000" y="1844675"/>
+            <a:ext cx="0" cy="4351338"/>
+          </a:xfrm>
+          <a:prstGeom prst="line">
+            <a:avLst/>
+          </a:prstGeom>
+          <a:ln w="28575">
+            <a:solidFill>
+              <a:schemeClr val="tx1"/>
+            </a:solidFill>
+          </a:ln>
+        </p:spPr>
+        <p:style>
+          <a:lnRef idx="1">
+            <a:schemeClr val="accent1"/>
+          </a:lnRef>
+          <a:fillRef idx="0">
+            <a:schemeClr val="accent1"/>
+          </a:fillRef>
+          <a:effectRef idx="0">
+            <a:schemeClr val="accent1"/>
+          </a:effectRef>
+          <a:fontRef idx="minor">
+            <a:schemeClr val="tx1"/>
+          </a:fontRef>
+        </p:style>
+      </p:cxnSp>
+      <p:sp>
+        <p:nvSpPr>
+          <p:cNvPr id="6" name="CaixaDeTexto 5">
+            <a:extLst>
+              <a:ext uri="{FF2B5EF4-FFF2-40B4-BE49-F238E27FC236}">
+                <a16:creationId xmlns:a16="http://schemas.microsoft.com/office/drawing/2014/main" id="{A937BB27-0A70-4799-8F43-EDDAC180C19A}"/>
+              </a:ext>
+            </a:extLst>
+          </p:cNvPr>
+          <p:cNvSpPr txBox="1"/>
+          <p:nvPr/>
+        </p:nvSpPr>
+        <p:spPr>
+          <a:xfrm>
+            <a:off x="749185" y="1844675"/>
+            <a:ext cx="5015886" cy="2264081"/>
+          </a:xfrm>
+          <a:prstGeom prst="rect">
+            <a:avLst/>
+          </a:prstGeom>
+          <a:noFill/>
+        </p:spPr>
+        <p:txBody>
+          <a:bodyPr wrap="square" rtlCol="0">
+            <a:spAutoFit/>
+          </a:bodyPr>
+          <a:lstStyle/>
+          <a:p>
+            <a:pPr>
+              <a:lnSpc>
+                <a:spcPct val="150000"/>
+              </a:lnSpc>
+            </a:pPr>
+            <a:r>
+              <a:rPr lang="pt-BR" sz="1600" b="1" dirty="0">
+                <a:latin typeface="Times New Roman" panose="02020603050405020304" pitchFamily="18" charset="0"/>
+                <a:cs typeface="Times New Roman" panose="02020603050405020304" pitchFamily="18" charset="0"/>
+              </a:rPr>
+              <a:t>Listas não ordenadas</a:t>
+            </a:r>
+          </a:p>
+          <a:p>
+            <a:pPr>
+              <a:lnSpc>
+                <a:spcPct val="150000"/>
+              </a:lnSpc>
+            </a:pPr>
+            <a:r>
+              <a:rPr lang="pt-BR" sz="1600" b="1" dirty="0" err="1">
+                <a:latin typeface="Times New Roman" panose="02020603050405020304" pitchFamily="18" charset="0"/>
+                <a:cs typeface="Times New Roman" panose="02020603050405020304" pitchFamily="18" charset="0"/>
+              </a:rPr>
+              <a:t>type</a:t>
+            </a:r>
+            <a:r>
+              <a:rPr lang="pt-BR" sz="1600" b="1" dirty="0">
+                <a:latin typeface="Times New Roman" panose="02020603050405020304" pitchFamily="18" charset="0"/>
+                <a:cs typeface="Times New Roman" panose="02020603050405020304" pitchFamily="18" charset="0"/>
+              </a:rPr>
+              <a:t>:</a:t>
+            </a:r>
+            <a:r>
+              <a:rPr lang="pt-BR" sz="1600" dirty="0">
+                <a:latin typeface="Times New Roman" panose="02020603050405020304" pitchFamily="18" charset="0"/>
+                <a:cs typeface="Times New Roman" panose="02020603050405020304" pitchFamily="18" charset="0"/>
+              </a:rPr>
+              <a:t> Este atributo permite alterar o estilo do marcador da lista </a:t>
+            </a:r>
+          </a:p>
+          <a:p>
+            <a:pPr marL="742950" lvl="1" indent="-285750">
+              <a:lnSpc>
+                <a:spcPct val="150000"/>
+              </a:lnSpc>
+              <a:buFont typeface="Arial" panose="020B0604020202020204" pitchFamily="34" charset="0"/>
+              <a:buChar char="•"/>
+            </a:pPr>
+            <a:r>
+              <a:rPr lang="pt-BR" sz="1600" dirty="0" err="1">
+                <a:latin typeface="Times New Roman" panose="02020603050405020304" pitchFamily="18" charset="0"/>
+                <a:cs typeface="Times New Roman" panose="02020603050405020304" pitchFamily="18" charset="0"/>
+              </a:rPr>
+              <a:t>type</a:t>
+            </a:r>
+            <a:r>
+              <a:rPr lang="pt-BR" sz="1600" dirty="0">
+                <a:latin typeface="Times New Roman" panose="02020603050405020304" pitchFamily="18" charset="0"/>
+                <a:cs typeface="Times New Roman" panose="02020603050405020304" pitchFamily="18" charset="0"/>
+              </a:rPr>
+              <a:t>=“</a:t>
+            </a:r>
+            <a:r>
+              <a:rPr lang="pt-BR" sz="1600" dirty="0" err="1">
+                <a:latin typeface="Times New Roman" panose="02020603050405020304" pitchFamily="18" charset="0"/>
+                <a:cs typeface="Times New Roman" panose="02020603050405020304" pitchFamily="18" charset="0"/>
+              </a:rPr>
+              <a:t>disc</a:t>
+            </a:r>
+            <a:r>
+              <a:rPr lang="pt-BR" sz="1600" dirty="0">
+                <a:latin typeface="Times New Roman" panose="02020603050405020304" pitchFamily="18" charset="0"/>
+                <a:cs typeface="Times New Roman" panose="02020603050405020304" pitchFamily="18" charset="0"/>
+              </a:rPr>
+              <a:t>”: Marcador circular.</a:t>
+            </a:r>
+          </a:p>
+          <a:p>
+            <a:pPr marL="742950" lvl="1" indent="-285750">
+              <a:lnSpc>
+                <a:spcPct val="150000"/>
+              </a:lnSpc>
+              <a:buFont typeface="Arial" panose="020B0604020202020204" pitchFamily="34" charset="0"/>
+              <a:buChar char="•"/>
+            </a:pPr>
+            <a:r>
+              <a:rPr lang="pt-BR" sz="1600" dirty="0" err="1">
+                <a:latin typeface="Times New Roman" panose="02020603050405020304" pitchFamily="18" charset="0"/>
+                <a:cs typeface="Times New Roman" panose="02020603050405020304" pitchFamily="18" charset="0"/>
+              </a:rPr>
+              <a:t>type</a:t>
+            </a:r>
+            <a:r>
+              <a:rPr lang="pt-BR" sz="1600" dirty="0">
+                <a:latin typeface="Times New Roman" panose="02020603050405020304" pitchFamily="18" charset="0"/>
+                <a:cs typeface="Times New Roman" panose="02020603050405020304" pitchFamily="18" charset="0"/>
+              </a:rPr>
+              <a:t>=“</a:t>
+            </a:r>
+            <a:r>
+              <a:rPr lang="pt-BR" sz="1600" dirty="0" err="1">
+                <a:latin typeface="Times New Roman" panose="02020603050405020304" pitchFamily="18" charset="0"/>
+                <a:cs typeface="Times New Roman" panose="02020603050405020304" pitchFamily="18" charset="0"/>
+              </a:rPr>
+              <a:t>circle</a:t>
+            </a:r>
+            <a:r>
+              <a:rPr lang="pt-BR" sz="1600" dirty="0">
+                <a:latin typeface="Times New Roman" panose="02020603050405020304" pitchFamily="18" charset="0"/>
+                <a:cs typeface="Times New Roman" panose="02020603050405020304" pitchFamily="18" charset="0"/>
+              </a:rPr>
+              <a:t>”: Marcador circular vazio.</a:t>
+            </a:r>
+          </a:p>
+          <a:p>
+            <a:pPr marL="742950" lvl="1" indent="-285750">
+              <a:lnSpc>
+                <a:spcPct val="150000"/>
+              </a:lnSpc>
+              <a:buFont typeface="Arial" panose="020B0604020202020204" pitchFamily="34" charset="0"/>
+              <a:buChar char="•"/>
+            </a:pPr>
+            <a:r>
+              <a:rPr lang="pt-BR" sz="1600" dirty="0" err="1">
+                <a:latin typeface="Times New Roman" panose="02020603050405020304" pitchFamily="18" charset="0"/>
+                <a:cs typeface="Times New Roman" panose="02020603050405020304" pitchFamily="18" charset="0"/>
+              </a:rPr>
+              <a:t>type</a:t>
+            </a:r>
+            <a:r>
+              <a:rPr lang="pt-BR" sz="1600" dirty="0">
+                <a:latin typeface="Times New Roman" panose="02020603050405020304" pitchFamily="18" charset="0"/>
+                <a:cs typeface="Times New Roman" panose="02020603050405020304" pitchFamily="18" charset="0"/>
+              </a:rPr>
+              <a:t>=“</a:t>
+            </a:r>
+            <a:r>
+              <a:rPr lang="pt-BR" sz="1600" dirty="0" err="1">
+                <a:latin typeface="Times New Roman" panose="02020603050405020304" pitchFamily="18" charset="0"/>
+                <a:cs typeface="Times New Roman" panose="02020603050405020304" pitchFamily="18" charset="0"/>
+              </a:rPr>
+              <a:t>square</a:t>
+            </a:r>
+            <a:r>
+              <a:rPr lang="pt-BR" sz="1600" dirty="0">
+                <a:latin typeface="Times New Roman" panose="02020603050405020304" pitchFamily="18" charset="0"/>
+                <a:cs typeface="Times New Roman" panose="02020603050405020304" pitchFamily="18" charset="0"/>
+              </a:rPr>
+              <a:t>”: Marcador quadrado.</a:t>
+            </a:r>
+          </a:p>
+        </p:txBody>
+      </p:sp>
+      <p:sp>
+        <p:nvSpPr>
+          <p:cNvPr id="7" name="CaixaDeTexto 6">
+            <a:extLst>
+              <a:ext uri="{FF2B5EF4-FFF2-40B4-BE49-F238E27FC236}">
+                <a16:creationId xmlns:a16="http://schemas.microsoft.com/office/drawing/2014/main" id="{89FD492E-1F60-47CA-B5E4-AF83BB4F70DF}"/>
+              </a:ext>
+            </a:extLst>
+          </p:cNvPr>
+          <p:cNvSpPr txBox="1"/>
+          <p:nvPr/>
+        </p:nvSpPr>
+        <p:spPr>
+          <a:xfrm>
+            <a:off x="6562157" y="1844675"/>
+            <a:ext cx="5015886" cy="4110741"/>
+          </a:xfrm>
+          <a:prstGeom prst="rect">
+            <a:avLst/>
+          </a:prstGeom>
+          <a:noFill/>
+        </p:spPr>
+        <p:txBody>
+          <a:bodyPr wrap="square" rtlCol="0">
+            <a:spAutoFit/>
+          </a:bodyPr>
+          <a:lstStyle/>
+          <a:p>
+            <a:pPr>
+              <a:lnSpc>
+                <a:spcPct val="150000"/>
+              </a:lnSpc>
+            </a:pPr>
+            <a:r>
+              <a:rPr lang="pt-BR" sz="1600" b="1" dirty="0">
+                <a:latin typeface="Times New Roman" panose="02020603050405020304" pitchFamily="18" charset="0"/>
+                <a:cs typeface="Times New Roman" panose="02020603050405020304" pitchFamily="18" charset="0"/>
+              </a:rPr>
+              <a:t>Listas ordenadas</a:t>
+            </a:r>
+          </a:p>
+          <a:p>
+            <a:pPr>
+              <a:lnSpc>
+                <a:spcPct val="150000"/>
+              </a:lnSpc>
+            </a:pPr>
+            <a:r>
+              <a:rPr lang="pt-BR" sz="1600" b="1" dirty="0" err="1">
+                <a:latin typeface="Times New Roman" panose="02020603050405020304" pitchFamily="18" charset="0"/>
+                <a:cs typeface="Times New Roman" panose="02020603050405020304" pitchFamily="18" charset="0"/>
+              </a:rPr>
+              <a:t>type</a:t>
+            </a:r>
+            <a:r>
+              <a:rPr lang="pt-BR" sz="1600" b="1" dirty="0">
+                <a:latin typeface="Times New Roman" panose="02020603050405020304" pitchFamily="18" charset="0"/>
+                <a:cs typeface="Times New Roman" panose="02020603050405020304" pitchFamily="18" charset="0"/>
+              </a:rPr>
+              <a:t>:</a:t>
+            </a:r>
+            <a:r>
+              <a:rPr lang="pt-BR" sz="1600" dirty="0">
+                <a:latin typeface="Times New Roman" panose="02020603050405020304" pitchFamily="18" charset="0"/>
+                <a:cs typeface="Times New Roman" panose="02020603050405020304" pitchFamily="18" charset="0"/>
+              </a:rPr>
+              <a:t> Este atributo permite alterar o estilo do marcador da lista </a:t>
+            </a:r>
+          </a:p>
+          <a:p>
+            <a:pPr marL="742950" lvl="1" indent="-285750">
+              <a:lnSpc>
+                <a:spcPct val="150000"/>
+              </a:lnSpc>
+              <a:buFont typeface="Arial" panose="020B0604020202020204" pitchFamily="34" charset="0"/>
+              <a:buChar char="•"/>
+            </a:pPr>
+            <a:r>
+              <a:rPr lang="pt-BR" sz="1600" dirty="0" err="1">
+                <a:latin typeface="Times New Roman" panose="02020603050405020304" pitchFamily="18" charset="0"/>
+                <a:cs typeface="Times New Roman" panose="02020603050405020304" pitchFamily="18" charset="0"/>
+              </a:rPr>
+              <a:t>type</a:t>
+            </a:r>
+            <a:r>
+              <a:rPr lang="pt-BR" sz="1600" dirty="0">
+                <a:latin typeface="Times New Roman" panose="02020603050405020304" pitchFamily="18" charset="0"/>
+                <a:cs typeface="Times New Roman" panose="02020603050405020304" pitchFamily="18" charset="0"/>
+              </a:rPr>
+              <a:t>=“1”: números.</a:t>
+            </a:r>
+          </a:p>
+          <a:p>
+            <a:pPr marL="742950" lvl="1" indent="-285750">
+              <a:lnSpc>
+                <a:spcPct val="150000"/>
+              </a:lnSpc>
+              <a:buFont typeface="Arial" panose="020B0604020202020204" pitchFamily="34" charset="0"/>
+              <a:buChar char="•"/>
+            </a:pPr>
+            <a:r>
+              <a:rPr lang="pt-BR" sz="1600" dirty="0" err="1">
+                <a:latin typeface="Times New Roman" panose="02020603050405020304" pitchFamily="18" charset="0"/>
+                <a:cs typeface="Times New Roman" panose="02020603050405020304" pitchFamily="18" charset="0"/>
+              </a:rPr>
+              <a:t>type</a:t>
+            </a:r>
+            <a:r>
+              <a:rPr lang="pt-BR" sz="1600" dirty="0">
+                <a:latin typeface="Times New Roman" panose="02020603050405020304" pitchFamily="18" charset="0"/>
+                <a:cs typeface="Times New Roman" panose="02020603050405020304" pitchFamily="18" charset="0"/>
+              </a:rPr>
+              <a:t>=“A”: Letras maiúsculas.</a:t>
+            </a:r>
+          </a:p>
+          <a:p>
+            <a:pPr marL="742950" lvl="1" indent="-285750">
+              <a:lnSpc>
+                <a:spcPct val="150000"/>
+              </a:lnSpc>
+              <a:buFont typeface="Arial" panose="020B0604020202020204" pitchFamily="34" charset="0"/>
+              <a:buChar char="•"/>
+            </a:pPr>
+            <a:r>
+              <a:rPr lang="pt-BR" sz="1600" dirty="0" err="1">
+                <a:latin typeface="Times New Roman" panose="02020603050405020304" pitchFamily="18" charset="0"/>
+                <a:cs typeface="Times New Roman" panose="02020603050405020304" pitchFamily="18" charset="0"/>
+              </a:rPr>
+              <a:t>type</a:t>
+            </a:r>
+            <a:r>
+              <a:rPr lang="pt-BR" sz="1600" dirty="0">
+                <a:latin typeface="Times New Roman" panose="02020603050405020304" pitchFamily="18" charset="0"/>
+                <a:cs typeface="Times New Roman" panose="02020603050405020304" pitchFamily="18" charset="0"/>
+              </a:rPr>
+              <a:t>=“a”: Letras minúsculas.</a:t>
+            </a:r>
+          </a:p>
+          <a:p>
+            <a:pPr marL="742950" lvl="1" indent="-285750">
+              <a:lnSpc>
+                <a:spcPct val="150000"/>
+              </a:lnSpc>
+              <a:buFont typeface="Arial" panose="020B0604020202020204" pitchFamily="34" charset="0"/>
+              <a:buChar char="•"/>
+            </a:pPr>
+            <a:r>
+              <a:rPr lang="pt-BR" sz="1600" dirty="0" err="1">
+                <a:latin typeface="Times New Roman" panose="02020603050405020304" pitchFamily="18" charset="0"/>
+                <a:cs typeface="Times New Roman" panose="02020603050405020304" pitchFamily="18" charset="0"/>
+              </a:rPr>
+              <a:t>type</a:t>
+            </a:r>
+            <a:r>
+              <a:rPr lang="pt-BR" sz="1600" dirty="0">
+                <a:latin typeface="Times New Roman" panose="02020603050405020304" pitchFamily="18" charset="0"/>
+                <a:cs typeface="Times New Roman" panose="02020603050405020304" pitchFamily="18" charset="0"/>
+              </a:rPr>
+              <a:t>=“I”: Números romanos maiúsculos.</a:t>
+            </a:r>
+          </a:p>
+          <a:p>
+            <a:pPr marL="742950" lvl="1" indent="-285750">
+              <a:lnSpc>
+                <a:spcPct val="150000"/>
+              </a:lnSpc>
+              <a:buFont typeface="Arial" panose="020B0604020202020204" pitchFamily="34" charset="0"/>
+              <a:buChar char="•"/>
+            </a:pPr>
+            <a:r>
+              <a:rPr lang="pt-BR" sz="1600" dirty="0" err="1">
+                <a:latin typeface="Times New Roman" panose="02020603050405020304" pitchFamily="18" charset="0"/>
+                <a:cs typeface="Times New Roman" panose="02020603050405020304" pitchFamily="18" charset="0"/>
+              </a:rPr>
+              <a:t>type</a:t>
+            </a:r>
+            <a:r>
+              <a:rPr lang="pt-BR" sz="1600" dirty="0">
+                <a:latin typeface="Times New Roman" panose="02020603050405020304" pitchFamily="18" charset="0"/>
+                <a:cs typeface="Times New Roman" panose="02020603050405020304" pitchFamily="18" charset="0"/>
+              </a:rPr>
+              <a:t>=“i”: Números romanos minúsculos.</a:t>
+            </a:r>
+          </a:p>
+          <a:p>
+            <a:pPr marL="742950" lvl="1" indent="-285750">
+              <a:lnSpc>
+                <a:spcPct val="150000"/>
+              </a:lnSpc>
+              <a:buFont typeface="Arial" panose="020B0604020202020204" pitchFamily="34" charset="0"/>
+              <a:buChar char="•"/>
+            </a:pPr>
+            <a:r>
+              <a:rPr lang="pt-BR" sz="1600" dirty="0">
+                <a:latin typeface="Times New Roman" panose="02020603050405020304" pitchFamily="18" charset="0"/>
+                <a:cs typeface="Times New Roman" panose="02020603050405020304" pitchFamily="18" charset="0"/>
+              </a:rPr>
+              <a:t>start: Define o número inicial da contagem.</a:t>
+            </a:r>
+          </a:p>
+          <a:p>
+            <a:pPr marL="742950" lvl="1" indent="-285750">
+              <a:lnSpc>
+                <a:spcPct val="150000"/>
+              </a:lnSpc>
+              <a:buFont typeface="Arial" panose="020B0604020202020204" pitchFamily="34" charset="0"/>
+              <a:buChar char="•"/>
+            </a:pPr>
+            <a:r>
+              <a:rPr lang="pt-BR" sz="1600" dirty="0" err="1">
+                <a:latin typeface="Times New Roman" panose="02020603050405020304" pitchFamily="18" charset="0"/>
+                <a:cs typeface="Times New Roman" panose="02020603050405020304" pitchFamily="18" charset="0"/>
+              </a:rPr>
+              <a:t>reversed</a:t>
+            </a:r>
+            <a:r>
+              <a:rPr lang="pt-BR" sz="1600" dirty="0">
+                <a:latin typeface="Times New Roman" panose="02020603050405020304" pitchFamily="18" charset="0"/>
+                <a:cs typeface="Times New Roman" panose="02020603050405020304" pitchFamily="18" charset="0"/>
+              </a:rPr>
+              <a:t>: Faz com que os itens da lista sejam numerados de forma decrescente</a:t>
+            </a:r>
+          </a:p>
+        </p:txBody>
+      </p:sp>
+    </p:spTree>
+    <p:extLst>
+      <p:ext uri="{BB962C8B-B14F-4D97-AF65-F5344CB8AC3E}">
+        <p14:creationId xmlns:p14="http://schemas.microsoft.com/office/powerpoint/2010/main" val="2993163263"/>
+      </p:ext>
+    </p:extLst>
+  </p:cSld>
+  <p:clrMapOvr>
+    <a:masterClrMapping/>
+  </p:clrMapOvr>
+</p:sld>
+</file>
+
+<file path=ppt/slides/slide12.xml><?xml version="1.0" encoding="utf-8"?>
+<p:sld xmlns:a="http://schemas.openxmlformats.org/drawingml/2006/main" xmlns:r="http://schemas.openxmlformats.org/officeDocument/2006/relationships" xmlns:p="http://schemas.openxmlformats.org/presentationml/2006/main">
+  <p:cSld>
+    <p:spTree>
+      <p:nvGrpSpPr>
+        <p:cNvPr id="1" name=""/>
+        <p:cNvGrpSpPr/>
+        <p:nvPr/>
+      </p:nvGrpSpPr>
+      <p:grpSpPr>
+        <a:xfrm>
+          <a:off x="0" y="0"/>
+          <a:ext cx="0" cy="0"/>
+          <a:chOff x="0" y="0"/>
+          <a:chExt cx="0" cy="0"/>
+        </a:xfrm>
+      </p:grpSpPr>
+      <p:sp>
+        <p:nvSpPr>
+          <p:cNvPr id="2" name="Título 1">
+            <a:extLst>
+              <a:ext uri="{FF2B5EF4-FFF2-40B4-BE49-F238E27FC236}">
+                <a16:creationId xmlns:a16="http://schemas.microsoft.com/office/drawing/2014/main" id="{F9254EED-F397-4A1E-B369-1302A8D8A272}"/>
+              </a:ext>
+            </a:extLst>
+          </p:cNvPr>
+          <p:cNvSpPr>
+            <a:spLocks noGrp="1"/>
+          </p:cNvSpPr>
+          <p:nvPr>
+            <p:ph type="title"/>
+          </p:nvPr>
+        </p:nvSpPr>
+        <p:spPr/>
+        <p:txBody>
+          <a:bodyPr/>
+          <a:lstStyle/>
+          <a:p>
+            <a:r>
+              <a:rPr lang="pt-BR" dirty="0"/>
+              <a:t>Listas aninhadas</a:t>
+            </a:r>
+          </a:p>
+        </p:txBody>
+      </p:sp>
+      <p:sp>
+        <p:nvSpPr>
+          <p:cNvPr id="3" name="Espaço Reservado para Conteúdo 2">
+            <a:extLst>
+              <a:ext uri="{FF2B5EF4-FFF2-40B4-BE49-F238E27FC236}">
+                <a16:creationId xmlns:a16="http://schemas.microsoft.com/office/drawing/2014/main" id="{92600C95-4D79-4097-97EB-C558B222940A}"/>
+              </a:ext>
+            </a:extLst>
+          </p:cNvPr>
+          <p:cNvSpPr>
+            <a:spLocks noGrp="1"/>
+          </p:cNvSpPr>
+          <p:nvPr>
+            <p:ph idx="1"/>
+          </p:nvPr>
+        </p:nvSpPr>
+        <p:spPr>
+          <a:xfrm>
+            <a:off x="592347" y="1844675"/>
+            <a:ext cx="11007306" cy="1346200"/>
+          </a:xfrm>
+        </p:spPr>
+        <p:txBody>
+          <a:bodyPr/>
+          <a:lstStyle/>
+          <a:p>
+            <a:r>
+              <a:rPr lang="pt-BR" sz="1800" dirty="0"/>
+              <a:t>Em HTML, listas dentro de listas, também chamadas de listas aninhadas, são usadas para organizar informações de forma hierárquica, com subcategorias ou subitens. Isso é feito inserindo uma nova lista (ordenada &lt;</a:t>
+            </a:r>
+            <a:r>
+              <a:rPr lang="pt-BR" sz="1800" dirty="0" err="1"/>
+              <a:t>ol</a:t>
+            </a:r>
+            <a:r>
+              <a:rPr lang="pt-BR" sz="1800" dirty="0"/>
+              <a:t>&gt; ou não ordenada &lt;</a:t>
+            </a:r>
+            <a:r>
+              <a:rPr lang="pt-BR" sz="1800" dirty="0" err="1"/>
+              <a:t>ul</a:t>
+            </a:r>
+            <a:r>
+              <a:rPr lang="pt-BR" sz="1800" dirty="0"/>
+              <a:t>&gt;) dentro de um item de lista (&lt;li&gt;), criando uma estrutura mais detalhada e lógica para os dados.</a:t>
+            </a:r>
+          </a:p>
+        </p:txBody>
+      </p:sp>
+      <p:sp>
+        <p:nvSpPr>
+          <p:cNvPr id="4" name="Retângulo 3">
+            <a:extLst>
+              <a:ext uri="{FF2B5EF4-FFF2-40B4-BE49-F238E27FC236}">
+                <a16:creationId xmlns:a16="http://schemas.microsoft.com/office/drawing/2014/main" id="{F1E9AA06-F26A-4029-AD58-539CBBA95988}"/>
+              </a:ext>
+            </a:extLst>
+          </p:cNvPr>
+          <p:cNvSpPr/>
+          <p:nvPr/>
+        </p:nvSpPr>
+        <p:spPr>
+          <a:xfrm>
+            <a:off x="2587625" y="3732557"/>
+            <a:ext cx="2371725" cy="2667397"/>
+          </a:xfrm>
+          <a:prstGeom prst="rect">
+            <a:avLst/>
+          </a:prstGeom>
+        </p:spPr>
+        <p:txBody>
+          <a:bodyPr wrap="square">
+            <a:spAutoFit/>
+          </a:bodyPr>
+          <a:lstStyle/>
+          <a:p>
+            <a:pPr>
+              <a:spcBef>
+                <a:spcPts val="150"/>
+              </a:spcBef>
+              <a:spcAft>
+                <a:spcPts val="150"/>
+              </a:spcAft>
+              <a:buFont typeface="+mj-lt"/>
+              <a:buAutoNum type="arabicPeriod"/>
+            </a:pPr>
+            <a:r>
+              <a:rPr lang="pt-BR" dirty="0">
+                <a:solidFill>
+                  <a:srgbClr val="000000"/>
+                </a:solidFill>
+                <a:latin typeface="Times New Roman" panose="02020603050405020304" pitchFamily="18" charset="0"/>
+              </a:rPr>
+              <a:t>Frutas</a:t>
+            </a:r>
+          </a:p>
+          <a:p>
+            <a:pPr marL="742950" lvl="1" indent="-285750">
+              <a:spcBef>
+                <a:spcPts val="150"/>
+              </a:spcBef>
+              <a:spcAft>
+                <a:spcPts val="150"/>
+              </a:spcAft>
+              <a:buFont typeface="Arial" panose="020B0604020202020204" pitchFamily="34" charset="0"/>
+              <a:buChar char="•"/>
+            </a:pPr>
+            <a:r>
+              <a:rPr lang="pt-BR" dirty="0">
+                <a:solidFill>
+                  <a:srgbClr val="000000"/>
+                </a:solidFill>
+                <a:latin typeface="Times New Roman" panose="02020603050405020304" pitchFamily="18" charset="0"/>
+              </a:rPr>
+              <a:t>Maçã</a:t>
+            </a:r>
+          </a:p>
+          <a:p>
+            <a:pPr marL="742950" lvl="1" indent="-285750">
+              <a:spcBef>
+                <a:spcPts val="150"/>
+              </a:spcBef>
+              <a:spcAft>
+                <a:spcPts val="150"/>
+              </a:spcAft>
+              <a:buFont typeface="Arial" panose="020B0604020202020204" pitchFamily="34" charset="0"/>
+              <a:buChar char="•"/>
+            </a:pPr>
+            <a:r>
+              <a:rPr lang="pt-BR" dirty="0">
+                <a:solidFill>
+                  <a:srgbClr val="000000"/>
+                </a:solidFill>
+                <a:latin typeface="Times New Roman" panose="02020603050405020304" pitchFamily="18" charset="0"/>
+              </a:rPr>
+              <a:t>Banana</a:t>
+            </a:r>
+          </a:p>
+          <a:p>
+            <a:pPr marL="742950" lvl="1" indent="-285750">
+              <a:spcBef>
+                <a:spcPts val="150"/>
+              </a:spcBef>
+              <a:spcAft>
+                <a:spcPts val="150"/>
+              </a:spcAft>
+              <a:buFont typeface="Arial" panose="020B0604020202020204" pitchFamily="34" charset="0"/>
+              <a:buChar char="•"/>
+            </a:pPr>
+            <a:r>
+              <a:rPr lang="pt-BR" dirty="0">
+                <a:solidFill>
+                  <a:srgbClr val="000000"/>
+                </a:solidFill>
+                <a:latin typeface="Times New Roman" panose="02020603050405020304" pitchFamily="18" charset="0"/>
+              </a:rPr>
+              <a:t>Laranja</a:t>
+            </a:r>
+          </a:p>
+          <a:p>
+            <a:pPr>
+              <a:spcBef>
+                <a:spcPts val="150"/>
+              </a:spcBef>
+              <a:spcAft>
+                <a:spcPts val="150"/>
+              </a:spcAft>
+              <a:buFont typeface="+mj-lt"/>
+              <a:buAutoNum type="arabicPeriod"/>
+            </a:pPr>
+            <a:r>
+              <a:rPr lang="pt-BR" dirty="0">
+                <a:solidFill>
+                  <a:srgbClr val="000000"/>
+                </a:solidFill>
+                <a:latin typeface="Times New Roman" panose="02020603050405020304" pitchFamily="18" charset="0"/>
+              </a:rPr>
+              <a:t>Verduras</a:t>
+            </a:r>
+          </a:p>
+          <a:p>
+            <a:pPr marL="742950" lvl="1" indent="-285750">
+              <a:spcBef>
+                <a:spcPts val="150"/>
+              </a:spcBef>
+              <a:spcAft>
+                <a:spcPts val="150"/>
+              </a:spcAft>
+              <a:buFont typeface="Arial" panose="020B0604020202020204" pitchFamily="34" charset="0"/>
+              <a:buChar char="•"/>
+            </a:pPr>
+            <a:r>
+              <a:rPr lang="pt-BR" dirty="0">
+                <a:solidFill>
+                  <a:srgbClr val="000000"/>
+                </a:solidFill>
+                <a:latin typeface="Times New Roman" panose="02020603050405020304" pitchFamily="18" charset="0"/>
+              </a:rPr>
+              <a:t>Alface</a:t>
+            </a:r>
+          </a:p>
+          <a:p>
+            <a:pPr marL="742950" lvl="1" indent="-285750">
+              <a:spcBef>
+                <a:spcPts val="150"/>
+              </a:spcBef>
+              <a:spcAft>
+                <a:spcPts val="150"/>
+              </a:spcAft>
+              <a:buFont typeface="Arial" panose="020B0604020202020204" pitchFamily="34" charset="0"/>
+              <a:buChar char="•"/>
+            </a:pPr>
+            <a:r>
+              <a:rPr lang="pt-BR" dirty="0">
+                <a:solidFill>
+                  <a:srgbClr val="000000"/>
+                </a:solidFill>
+                <a:latin typeface="Times New Roman" panose="02020603050405020304" pitchFamily="18" charset="0"/>
+              </a:rPr>
+              <a:t>Espinafre</a:t>
+            </a:r>
+          </a:p>
+          <a:p>
+            <a:pPr marL="742950" lvl="1" indent="-285750">
+              <a:spcBef>
+                <a:spcPts val="150"/>
+              </a:spcBef>
+              <a:spcAft>
+                <a:spcPts val="150"/>
+              </a:spcAft>
+              <a:buFont typeface="Arial" panose="020B0604020202020204" pitchFamily="34" charset="0"/>
+              <a:buChar char="•"/>
+            </a:pPr>
+            <a:r>
+              <a:rPr lang="pt-BR" dirty="0">
+                <a:solidFill>
+                  <a:srgbClr val="000000"/>
+                </a:solidFill>
+                <a:latin typeface="Times New Roman" panose="02020603050405020304" pitchFamily="18" charset="0"/>
+              </a:rPr>
+              <a:t>Couve</a:t>
+            </a:r>
+            <a:endParaRPr lang="pt-BR" b="0" i="0" dirty="0">
+              <a:solidFill>
+                <a:srgbClr val="000000"/>
+              </a:solidFill>
+              <a:effectLst/>
+              <a:latin typeface="Times New Roman" panose="02020603050405020304" pitchFamily="18" charset="0"/>
+            </a:endParaRPr>
+          </a:p>
+        </p:txBody>
+      </p:sp>
+      <p:sp>
+        <p:nvSpPr>
+          <p:cNvPr id="6" name="Retângulo 5">
+            <a:extLst>
+              <a:ext uri="{FF2B5EF4-FFF2-40B4-BE49-F238E27FC236}">
+                <a16:creationId xmlns:a16="http://schemas.microsoft.com/office/drawing/2014/main" id="{A46E7147-CA84-40F7-BE51-6D9841F5C494}"/>
+              </a:ext>
+            </a:extLst>
+          </p:cNvPr>
+          <p:cNvSpPr/>
+          <p:nvPr/>
+        </p:nvSpPr>
+        <p:spPr>
+          <a:xfrm>
+            <a:off x="7546975" y="4060852"/>
+            <a:ext cx="2057400" cy="2010807"/>
+          </a:xfrm>
+          <a:prstGeom prst="rect">
+            <a:avLst/>
+          </a:prstGeom>
+        </p:spPr>
+        <p:txBody>
+          <a:bodyPr wrap="square">
+            <a:spAutoFit/>
+          </a:bodyPr>
+          <a:lstStyle/>
+          <a:p>
+            <a:pPr>
+              <a:spcBef>
+                <a:spcPts val="150"/>
+              </a:spcBef>
+              <a:spcAft>
+                <a:spcPts val="150"/>
+              </a:spcAft>
+              <a:buFont typeface="+mj-lt"/>
+              <a:buAutoNum type="arabicPeriod"/>
+            </a:pPr>
+            <a:r>
+              <a:rPr lang="pt-BR" dirty="0">
+                <a:solidFill>
+                  <a:srgbClr val="000000"/>
+                </a:solidFill>
+                <a:latin typeface="Times New Roman" panose="02020603050405020304" pitchFamily="18" charset="0"/>
+              </a:rPr>
+              <a:t>Animais</a:t>
+            </a:r>
+          </a:p>
+          <a:p>
+            <a:pPr marL="742950" lvl="1" indent="-285750">
+              <a:spcBef>
+                <a:spcPts val="150"/>
+              </a:spcBef>
+              <a:spcAft>
+                <a:spcPts val="150"/>
+              </a:spcAft>
+              <a:buFont typeface="Arial" panose="020B0604020202020204" pitchFamily="34" charset="0"/>
+              <a:buChar char="•"/>
+            </a:pPr>
+            <a:r>
+              <a:rPr lang="pt-BR" dirty="0">
+                <a:solidFill>
+                  <a:srgbClr val="000000"/>
+                </a:solidFill>
+                <a:latin typeface="Times New Roman" panose="02020603050405020304" pitchFamily="18" charset="0"/>
+              </a:rPr>
+              <a:t>Cachorro</a:t>
+            </a:r>
+          </a:p>
+          <a:p>
+            <a:pPr marL="742950" lvl="1" indent="-285750">
+              <a:spcBef>
+                <a:spcPts val="150"/>
+              </a:spcBef>
+              <a:spcAft>
+                <a:spcPts val="150"/>
+              </a:spcAft>
+              <a:buFont typeface="Arial" panose="020B0604020202020204" pitchFamily="34" charset="0"/>
+              <a:buChar char="•"/>
+            </a:pPr>
+            <a:r>
+              <a:rPr lang="pt-BR" dirty="0">
+                <a:solidFill>
+                  <a:srgbClr val="000000"/>
+                </a:solidFill>
+                <a:latin typeface="Times New Roman" panose="02020603050405020304" pitchFamily="18" charset="0"/>
+              </a:rPr>
+              <a:t>Gato</a:t>
+            </a:r>
+          </a:p>
+          <a:p>
+            <a:pPr>
+              <a:spcBef>
+                <a:spcPts val="150"/>
+              </a:spcBef>
+              <a:spcAft>
+                <a:spcPts val="150"/>
+              </a:spcAft>
+              <a:buFont typeface="+mj-lt"/>
+              <a:buAutoNum type="arabicPeriod"/>
+            </a:pPr>
+            <a:r>
+              <a:rPr lang="pt-BR" dirty="0">
+                <a:solidFill>
+                  <a:srgbClr val="000000"/>
+                </a:solidFill>
+                <a:latin typeface="Times New Roman" panose="02020603050405020304" pitchFamily="18" charset="0"/>
+              </a:rPr>
+              <a:t>Veículos</a:t>
+            </a:r>
+          </a:p>
+          <a:p>
+            <a:pPr marL="742950" lvl="1" indent="-285750">
+              <a:spcBef>
+                <a:spcPts val="150"/>
+              </a:spcBef>
+              <a:spcAft>
+                <a:spcPts val="150"/>
+              </a:spcAft>
+              <a:buFont typeface="Arial" panose="020B0604020202020204" pitchFamily="34" charset="0"/>
+              <a:buChar char="•"/>
+            </a:pPr>
+            <a:r>
+              <a:rPr lang="pt-BR" dirty="0">
+                <a:solidFill>
+                  <a:srgbClr val="000000"/>
+                </a:solidFill>
+                <a:latin typeface="Times New Roman" panose="02020603050405020304" pitchFamily="18" charset="0"/>
+              </a:rPr>
+              <a:t>Carro</a:t>
+            </a:r>
+          </a:p>
+          <a:p>
+            <a:pPr marL="742950" lvl="1" indent="-285750">
+              <a:spcBef>
+                <a:spcPts val="150"/>
+              </a:spcBef>
+              <a:spcAft>
+                <a:spcPts val="150"/>
+              </a:spcAft>
+              <a:buFont typeface="Arial" panose="020B0604020202020204" pitchFamily="34" charset="0"/>
+              <a:buChar char="•"/>
+            </a:pPr>
+            <a:r>
+              <a:rPr lang="pt-BR" dirty="0">
+                <a:solidFill>
+                  <a:srgbClr val="000000"/>
+                </a:solidFill>
+                <a:latin typeface="Times New Roman" panose="02020603050405020304" pitchFamily="18" charset="0"/>
+              </a:rPr>
+              <a:t>Moto</a:t>
+            </a:r>
+            <a:endParaRPr lang="pt-BR" b="0" i="0" dirty="0">
+              <a:solidFill>
+                <a:srgbClr val="000000"/>
+              </a:solidFill>
+              <a:effectLst/>
+              <a:latin typeface="Times New Roman" panose="02020603050405020304" pitchFamily="18" charset="0"/>
+            </a:endParaRPr>
+          </a:p>
+        </p:txBody>
+      </p:sp>
+    </p:spTree>
+    <p:extLst>
+      <p:ext uri="{BB962C8B-B14F-4D97-AF65-F5344CB8AC3E}">
+        <p14:creationId xmlns:p14="http://schemas.microsoft.com/office/powerpoint/2010/main" val="1547093481"/>
+      </p:ext>
+    </p:extLst>
+  </p:cSld>
+  <p:clrMapOvr>
+    <a:masterClrMapping/>
+  </p:clrMapOvr>
+</p:sld>
+</file>
+
+<file path=ppt/slides/slide13.xml><?xml version="1.0" encoding="utf-8"?>
+<p:sld xmlns:a="http://schemas.openxmlformats.org/drawingml/2006/main" xmlns:r="http://schemas.openxmlformats.org/officeDocument/2006/relationships" xmlns:p="http://schemas.openxmlformats.org/presentationml/2006/main">
+  <p:cSld>
+    <p:spTree>
+      <p:nvGrpSpPr>
+        <p:cNvPr id="1" name=""/>
+        <p:cNvGrpSpPr/>
+        <p:nvPr/>
+      </p:nvGrpSpPr>
+      <p:grpSpPr>
+        <a:xfrm>
+          <a:off x="0" y="0"/>
+          <a:ext cx="0" cy="0"/>
+          <a:chOff x="0" y="0"/>
+          <a:chExt cx="0" cy="0"/>
+        </a:xfrm>
+      </p:grpSpPr>
+      <p:sp>
+        <p:nvSpPr>
+          <p:cNvPr id="2" name="Título 1">
+            <a:extLst>
+              <a:ext uri="{FF2B5EF4-FFF2-40B4-BE49-F238E27FC236}">
                 <a16:creationId xmlns:a16="http://schemas.microsoft.com/office/drawing/2014/main" id="{F9254EED-F397-4A1E-B369-1302A8D8A272}"/>
               </a:ext>
             </a:extLst>
@@ -4984,7 +6095,7 @@
 </p:sld>
 </file>
 
-<file path=ppt/slides/slide11.xml><?xml version="1.0" encoding="utf-8"?>
+<file path=ppt/slides/slide14.xml><?xml version="1.0" encoding="utf-8"?>
 <p:sld xmlns:a="http://schemas.openxmlformats.org/drawingml/2006/main" xmlns:r="http://schemas.openxmlformats.org/officeDocument/2006/relationships" xmlns:p="http://schemas.openxmlformats.org/presentationml/2006/main">
   <p:cSld>
     <p:spTree>
@@ -5098,8 +6209,8 @@
         </p:nvSpPr>
         <p:spPr>
           <a:xfrm>
-            <a:off x="2024816" y="4048125"/>
-            <a:ext cx="8134350" cy="307777"/>
+            <a:off x="1458723" y="4048125"/>
+            <a:ext cx="9274555" cy="338554"/>
           </a:xfrm>
           <a:prstGeom prst="rect">
             <a:avLst/>
@@ -5112,7 +6223,7 @@
           <a:lstStyle/>
           <a:p>
             <a:r>
-              <a:rPr lang="pt-BR" sz="1400" dirty="0">
+              <a:rPr lang="pt-BR" sz="1600" dirty="0">
                 <a:solidFill>
                   <a:srgbClr val="800000"/>
                 </a:solidFill>
@@ -5121,7 +6232,7 @@
               <a:t>&lt;p&gt;</a:t>
             </a:r>
             <a:r>
-              <a:rPr lang="pt-BR" sz="1400" dirty="0">
+              <a:rPr lang="pt-BR" sz="1600" dirty="0">
                 <a:solidFill>
                   <a:srgbClr val="000000"/>
                 </a:solidFill>
@@ -5130,7 +6241,7 @@
               <a:t>Você pode acessar meu </a:t>
             </a:r>
             <a:r>
-              <a:rPr lang="pt-BR" sz="1400" dirty="0" err="1">
+              <a:rPr lang="pt-BR" sz="1600" dirty="0" err="1">
                 <a:solidFill>
                   <a:srgbClr val="000000"/>
                 </a:solidFill>
@@ -5139,7 +6250,7 @@
               <a:t>linkedin</a:t>
             </a:r>
             <a:r>
-              <a:rPr lang="pt-BR" sz="1400" dirty="0">
+              <a:rPr lang="pt-BR" sz="1600" dirty="0">
                 <a:solidFill>
                   <a:srgbClr val="000000"/>
                 </a:solidFill>
@@ -5148,7 +6259,7 @@
               <a:t>, clicando </a:t>
             </a:r>
             <a:r>
-              <a:rPr lang="pt-BR" sz="1400" dirty="0">
+              <a:rPr lang="pt-BR" sz="1600" dirty="0">
                 <a:solidFill>
                   <a:srgbClr val="800000"/>
                 </a:solidFill>
@@ -5157,7 +6268,7 @@
               <a:t>&lt;a</a:t>
             </a:r>
             <a:r>
-              <a:rPr lang="pt-BR" sz="1400" dirty="0">
+              <a:rPr lang="pt-BR" sz="1600" dirty="0">
                 <a:solidFill>
                   <a:srgbClr val="000000"/>
                 </a:solidFill>
@@ -5166,7 +6277,7 @@
               <a:t> </a:t>
             </a:r>
             <a:r>
-              <a:rPr lang="pt-BR" sz="1400" dirty="0" err="1">
+              <a:rPr lang="pt-BR" sz="1600" dirty="0" err="1">
                 <a:solidFill>
                   <a:srgbClr val="E50000"/>
                 </a:solidFill>
@@ -5175,7 +6286,7 @@
               <a:t>href</a:t>
             </a:r>
             <a:r>
-              <a:rPr lang="pt-BR" sz="1400" dirty="0">
+              <a:rPr lang="pt-BR" sz="1600" dirty="0">
                 <a:solidFill>
                   <a:srgbClr val="000000"/>
                 </a:solidFill>
@@ -5184,7 +6295,7 @@
               <a:t>=</a:t>
             </a:r>
             <a:r>
-              <a:rPr lang="pt-BR" sz="1400" dirty="0">
+              <a:rPr lang="pt-BR" sz="1600" dirty="0">
                 <a:solidFill>
                   <a:srgbClr val="0000FF"/>
                 </a:solidFill>
@@ -5193,7 +6304,7 @@
               <a:t>“link-desejado"</a:t>
             </a:r>
             <a:r>
-              <a:rPr lang="pt-BR" sz="1400" dirty="0">
+              <a:rPr lang="pt-BR" sz="1600" dirty="0">
                 <a:solidFill>
                   <a:srgbClr val="800000"/>
                 </a:solidFill>
@@ -5202,7 +6313,7 @@
               <a:t>&gt;</a:t>
             </a:r>
             <a:r>
-              <a:rPr lang="pt-BR" sz="1400" dirty="0">
+              <a:rPr lang="pt-BR" sz="1600" dirty="0">
                 <a:solidFill>
                   <a:srgbClr val="000000"/>
                 </a:solidFill>
@@ -5211,7 +6322,7 @@
               <a:t>aqui</a:t>
             </a:r>
             <a:r>
-              <a:rPr lang="pt-BR" sz="1400" dirty="0">
+              <a:rPr lang="pt-BR" sz="1600" dirty="0">
                 <a:solidFill>
                   <a:srgbClr val="800000"/>
                 </a:solidFill>
@@ -5219,7 +6330,7 @@
               </a:rPr>
               <a:t>&lt;/a&gt;&lt;/p&gt;</a:t>
             </a:r>
-            <a:endParaRPr lang="pt-BR" sz="1400" b="0" dirty="0">
+            <a:endParaRPr lang="pt-BR" sz="1600" b="0" dirty="0">
               <a:solidFill>
                 <a:srgbClr val="000000"/>
               </a:solidFill>
@@ -5242,7 +6353,7 @@
 </p:sld>
 </file>
 
-<file path=ppt/slides/slide12.xml><?xml version="1.0" encoding="utf-8"?>
+<file path=ppt/slides/slide15.xml><?xml version="1.0" encoding="utf-8"?>
 <p:sld xmlns:a="http://schemas.openxmlformats.org/drawingml/2006/main" xmlns:r="http://schemas.openxmlformats.org/officeDocument/2006/relationships" xmlns:p="http://schemas.openxmlformats.org/presentationml/2006/main">
   <p:cSld>
     <p:spTree>
@@ -5798,7 +6909,7 @@
 </p:sld>
 </file>
 
-<file path=ppt/slides/slide13.xml><?xml version="1.0" encoding="utf-8"?>
+<file path=ppt/slides/slide16.xml><?xml version="1.0" encoding="utf-8"?>
 <p:sld xmlns:a="http://schemas.openxmlformats.org/drawingml/2006/main" xmlns:r="http://schemas.openxmlformats.org/officeDocument/2006/relationships" xmlns:p="http://schemas.openxmlformats.org/presentationml/2006/main">
   <p:cSld>
     <p:spTree>
@@ -6205,7 +7316,7 @@
 </p:sld>
 </file>
 
-<file path=ppt/slides/slide14.xml><?xml version="1.0" encoding="utf-8"?>
+<file path=ppt/slides/slide17.xml><?xml version="1.0" encoding="utf-8"?>
 <p:sld xmlns:a="http://schemas.openxmlformats.org/drawingml/2006/main" xmlns:r="http://schemas.openxmlformats.org/officeDocument/2006/relationships" xmlns:p="http://schemas.openxmlformats.org/presentationml/2006/main">
   <p:cSld>
     <p:spTree>
@@ -6747,7 +7858,121 @@
 </p:sld>
 </file>
 
-<file path=ppt/slides/slide15.xml><?xml version="1.0" encoding="utf-8"?>
+<file path=ppt/slides/slide18.xml><?xml version="1.0" encoding="utf-8"?>
+<p:sld xmlns:a="http://schemas.openxmlformats.org/drawingml/2006/main" xmlns:r="http://schemas.openxmlformats.org/officeDocument/2006/relationships" xmlns:p="http://schemas.openxmlformats.org/presentationml/2006/main">
+  <p:cSld>
+    <p:spTree>
+      <p:nvGrpSpPr>
+        <p:cNvPr id="1" name=""/>
+        <p:cNvGrpSpPr/>
+        <p:nvPr/>
+      </p:nvGrpSpPr>
+      <p:grpSpPr>
+        <a:xfrm>
+          <a:off x="0" y="0"/>
+          <a:ext cx="0" cy="0"/>
+          <a:chOff x="0" y="0"/>
+          <a:chExt cx="0" cy="0"/>
+        </a:xfrm>
+      </p:grpSpPr>
+      <p:sp>
+        <p:nvSpPr>
+          <p:cNvPr id="2" name="Título 1">
+            <a:extLst>
+              <a:ext uri="{FF2B5EF4-FFF2-40B4-BE49-F238E27FC236}">
+                <a16:creationId xmlns:a16="http://schemas.microsoft.com/office/drawing/2014/main" id="{3E611EE0-8AE9-4929-A33C-F3402A4E0B6E}"/>
+              </a:ext>
+            </a:extLst>
+          </p:cNvPr>
+          <p:cNvSpPr>
+            <a:spLocks noGrp="1"/>
+          </p:cNvSpPr>
+          <p:nvPr>
+            <p:ph type="title"/>
+          </p:nvPr>
+        </p:nvSpPr>
+        <p:spPr/>
+        <p:txBody>
+          <a:bodyPr/>
+          <a:lstStyle/>
+          <a:p>
+            <a:r>
+              <a:rPr lang="pt-BR" dirty="0"/>
+              <a:t>Desafio: Crie uma Página da Faculdade UMC</a:t>
+            </a:r>
+          </a:p>
+        </p:txBody>
+      </p:sp>
+      <p:sp>
+        <p:nvSpPr>
+          <p:cNvPr id="3" name="Espaço Reservado para Conteúdo 2">
+            <a:extLst>
+              <a:ext uri="{FF2B5EF4-FFF2-40B4-BE49-F238E27FC236}">
+                <a16:creationId xmlns:a16="http://schemas.microsoft.com/office/drawing/2014/main" id="{F76DE4BB-103C-4F06-8649-A2F279DD992A}"/>
+              </a:ext>
+            </a:extLst>
+          </p:cNvPr>
+          <p:cNvSpPr>
+            <a:spLocks noGrp="1"/>
+          </p:cNvSpPr>
+          <p:nvPr>
+            <p:ph idx="1"/>
+          </p:nvPr>
+        </p:nvSpPr>
+        <p:spPr/>
+        <p:txBody>
+          <a:bodyPr/>
+          <a:lstStyle/>
+          <a:p>
+            <a:r>
+              <a:rPr lang="pt-BR" dirty="0"/>
+              <a:t>Você foi contratado para criar uma página simples para a Faculdade UMC, onde os visitantes possam navegar facilmente entre diferentes seções e páginas do site. Requisitos:</a:t>
+            </a:r>
+          </a:p>
+          <a:p>
+            <a:pPr lvl="1"/>
+            <a:r>
+              <a:rPr lang="pt-BR" dirty="0"/>
+              <a:t>Um link externo que leve ao site oficial da UMC.</a:t>
+            </a:r>
+          </a:p>
+          <a:p>
+            <a:pPr lvl="1"/>
+            <a:r>
+              <a:rPr lang="pt-BR" dirty="0"/>
+              <a:t>Um link interno para outra página, como "Cursos" (exemplo: "cursos.html").</a:t>
+            </a:r>
+          </a:p>
+          <a:p>
+            <a:pPr lvl="1"/>
+            <a:r>
+              <a:rPr lang="pt-BR" dirty="0"/>
+              <a:t>Um link interno para uma seção da própria página, como "Contato".</a:t>
+            </a:r>
+          </a:p>
+          <a:p>
+            <a:pPr lvl="1"/>
+            <a:r>
+              <a:rPr lang="pt-BR" dirty="0"/>
+              <a:t>Uma nova seção chamada "Curiosidades", com fatos interessantes sobre a faculdade.</a:t>
+            </a:r>
+          </a:p>
+        </p:txBody>
+      </p:sp>
+    </p:spTree>
+    <p:extLst>
+      <p:ext uri="{BB962C8B-B14F-4D97-AF65-F5344CB8AC3E}">
+        <p14:creationId xmlns:p14="http://schemas.microsoft.com/office/powerpoint/2010/main" val="1392673206"/>
+      </p:ext>
+    </p:extLst>
+  </p:cSld>
+  <p:clrMapOvr>
+    <a:masterClrMapping/>
+  </p:clrMapOvr>
+</p:sld>
+</file>
+
+<file path=ppt/slides/slide19.xml><?xml version="1.0" encoding="utf-8"?>
 <p:sld xmlns:a="http://schemas.openxmlformats.org/drawingml/2006/main" xmlns:r="http://schemas.openxmlformats.org/officeDocument/2006/relationships" xmlns:p="http://schemas.openxmlformats.org/presentationml/2006/main">
   <p:cSld>
     <p:spTree>
@@ -6854,7 +8079,7 @@
             </a:r>
             <a:r>
               <a:rPr lang="pt-BR" dirty="0"/>
-              <a:t>A página inicial, que servirá como uma introdução ao seu portfólio.</a:t>
+              <a:t>A página inicial do site, contendo um menu de navegação com links para as outras páginas.</a:t>
             </a:r>
           </a:p>
           <a:p>
@@ -6865,11 +8090,11 @@
             </a:pPr>
             <a:r>
               <a:rPr lang="pt-BR" b="1" dirty="0"/>
-              <a:t>Página Currículo (curriculo.html) - </a:t>
+              <a:t>Página Bolo de Cenoura (bolo-cenoura.html) - </a:t>
             </a:r>
             <a:r>
               <a:rPr lang="pt-BR" dirty="0"/>
-              <a:t>A página onde você apresentará seu currículo profissional.</a:t>
+              <a:t>A receita de Bolo de Cenoura.</a:t>
             </a:r>
           </a:p>
           <a:p>
@@ -6880,11 +8105,11 @@
             </a:pPr>
             <a:r>
               <a:rPr lang="pt-BR" b="1" dirty="0"/>
-              <a:t>Página Projetos Pessoais (projetos-pessoais.html) - </a:t>
+              <a:t>Página Bolo de Chocolate (bolo-chocolate.html) - </a:t>
             </a:r>
             <a:r>
               <a:rPr lang="pt-BR" dirty="0"/>
-              <a:t>A página dedicada aos projetos que você desenvolveu ou está desenvolvendo.</a:t>
+              <a:t>A receita de Bolo de Chocolate.</a:t>
             </a:r>
           </a:p>
           <a:p>
@@ -6895,11 +8120,11 @@
             </a:pPr>
             <a:r>
               <a:rPr lang="pt-BR" b="1" dirty="0"/>
-              <a:t>Página Certificados (certificados.html) - </a:t>
+              <a:t>Página Strogonoff (strogonoff.html) - </a:t>
             </a:r>
             <a:r>
               <a:rPr lang="pt-BR" dirty="0"/>
-              <a:t>A página onde você listará seus certificados e conquistas.</a:t>
+              <a:t>A receita de Strogonoff.</a:t>
             </a:r>
             <a:endParaRPr lang="pt-BR" sz="1800" dirty="0"/>
           </a:p>
@@ -6909,184 +8134,6 @@
     <p:extLst>
       <p:ext uri="{BB962C8B-B14F-4D97-AF65-F5344CB8AC3E}">
         <p14:creationId xmlns:p14="http://schemas.microsoft.com/office/powerpoint/2010/main" val="2585922675"/>
-      </p:ext>
-    </p:extLst>
-  </p:cSld>
-  <p:clrMapOvr>
-    <a:masterClrMapping/>
-  </p:clrMapOvr>
-</p:sld>
-</file>
-
-<file path=ppt/slides/slide16.xml><?xml version="1.0" encoding="utf-8"?>
-<p:sld xmlns:a="http://schemas.openxmlformats.org/drawingml/2006/main" xmlns:r="http://schemas.openxmlformats.org/officeDocument/2006/relationships" xmlns:p="http://schemas.openxmlformats.org/presentationml/2006/main">
-  <p:cSld>
-    <p:spTree>
-      <p:nvGrpSpPr>
-        <p:cNvPr id="1" name=""/>
-        <p:cNvGrpSpPr/>
-        <p:nvPr/>
-      </p:nvGrpSpPr>
-      <p:grpSpPr>
-        <a:xfrm>
-          <a:off x="0" y="0"/>
-          <a:ext cx="0" cy="0"/>
-          <a:chOff x="0" y="0"/>
-          <a:chExt cx="0" cy="0"/>
-        </a:xfrm>
-      </p:grpSpPr>
-      <p:sp>
-        <p:nvSpPr>
-          <p:cNvPr id="2" name="Título 1">
-            <a:extLst>
-              <a:ext uri="{FF2B5EF4-FFF2-40B4-BE49-F238E27FC236}">
-                <a16:creationId xmlns:a16="http://schemas.microsoft.com/office/drawing/2014/main" id="{4999CB1B-BFEF-4C05-ADF7-216630D8900A}"/>
-              </a:ext>
-            </a:extLst>
-          </p:cNvPr>
-          <p:cNvSpPr>
-            <a:spLocks noGrp="1"/>
-          </p:cNvSpPr>
-          <p:nvPr>
-            <p:ph type="title"/>
-          </p:nvPr>
-        </p:nvSpPr>
-        <p:spPr/>
-        <p:txBody>
-          <a:bodyPr/>
-          <a:lstStyle/>
-          <a:p>
-            <a:r>
-              <a:rPr lang="pt-BR" dirty="0"/>
-              <a:t>Desafio  - Criando um Portfólio Profissional</a:t>
-            </a:r>
-          </a:p>
-        </p:txBody>
-      </p:sp>
-      <p:sp>
-        <p:nvSpPr>
-          <p:cNvPr id="3" name="Espaço Reservado para Conteúdo 2">
-            <a:extLst>
-              <a:ext uri="{FF2B5EF4-FFF2-40B4-BE49-F238E27FC236}">
-                <a16:creationId xmlns:a16="http://schemas.microsoft.com/office/drawing/2014/main" id="{6C2D865B-5E0D-4254-B171-0E8C5381B1A5}"/>
-              </a:ext>
-            </a:extLst>
-          </p:cNvPr>
-          <p:cNvSpPr>
-            <a:spLocks noGrp="1"/>
-          </p:cNvSpPr>
-          <p:nvPr>
-            <p:ph idx="1"/>
-          </p:nvPr>
-        </p:nvSpPr>
-        <p:spPr/>
-        <p:txBody>
-          <a:bodyPr/>
-          <a:lstStyle/>
-          <a:p>
-            <a:pPr>
-              <a:spcBef>
-                <a:spcPts val="0"/>
-              </a:spcBef>
-            </a:pPr>
-            <a:r>
-              <a:rPr lang="pt-BR" dirty="0"/>
-              <a:t>Criar um site de portfólio simples, onde você usará as </a:t>
-            </a:r>
-            <a:r>
-              <a:rPr lang="pt-BR" dirty="0" err="1"/>
-              <a:t>tags</a:t>
-            </a:r>
-            <a:r>
-              <a:rPr lang="pt-BR" dirty="0"/>
-              <a:t> HTML para estruturar as páginas e apresentar suas informações profissionais. O site será dividido em 4 páginas principais, sendo uma página inicial (Home), uma página de currículo, uma página de projetos pessoais e uma página de certificados.</a:t>
-            </a:r>
-          </a:p>
-          <a:p>
-            <a:pPr>
-              <a:spcBef>
-                <a:spcPts val="0"/>
-              </a:spcBef>
-            </a:pPr>
-            <a:r>
-              <a:rPr lang="pt-BR" dirty="0"/>
-              <a:t>Estrutura do Projeto:</a:t>
-            </a:r>
-          </a:p>
-          <a:p>
-            <a:pPr lvl="1">
-              <a:spcBef>
-                <a:spcPts val="0"/>
-              </a:spcBef>
-            </a:pPr>
-            <a:r>
-              <a:rPr lang="pt-BR" b="1" dirty="0"/>
-              <a:t>Página Home (index.html)</a:t>
-            </a:r>
-            <a:r>
-              <a:rPr lang="pt-BR" dirty="0"/>
-              <a:t> - A página inicial do site, contendo um menu de navegação com links para as outras páginas.</a:t>
-            </a:r>
-          </a:p>
-          <a:p>
-            <a:pPr lvl="1">
-              <a:spcBef>
-                <a:spcPts val="0"/>
-              </a:spcBef>
-            </a:pPr>
-            <a:r>
-              <a:rPr lang="pt-BR" b="1" dirty="0"/>
-              <a:t>Página Bolo de Cenoura (bolo-cenoura.html)</a:t>
-            </a:r>
-            <a:r>
-              <a:rPr lang="pt-BR" dirty="0"/>
-              <a:t> - A receita de Bolo de Cenoura.</a:t>
-            </a:r>
-          </a:p>
-          <a:p>
-            <a:pPr lvl="1">
-              <a:spcBef>
-                <a:spcPts val="0"/>
-              </a:spcBef>
-            </a:pPr>
-            <a:r>
-              <a:rPr lang="pt-BR" b="1" dirty="0"/>
-              <a:t>Página Bolo de Chocolate (bolo-chocolate.html)</a:t>
-            </a:r>
-            <a:r>
-              <a:rPr lang="pt-BR" dirty="0"/>
-              <a:t> - A receita de Bolo de Chocolate.</a:t>
-            </a:r>
-          </a:p>
-          <a:p>
-            <a:pPr lvl="1">
-              <a:spcBef>
-                <a:spcPts val="0"/>
-              </a:spcBef>
-            </a:pPr>
-            <a:r>
-              <a:rPr lang="pt-BR" b="1" dirty="0"/>
-              <a:t>Página Strogonoff (strogonoff.html)</a:t>
-            </a:r>
-            <a:r>
-              <a:rPr lang="pt-BR" dirty="0"/>
-              <a:t> - A receita de Strogonoff.</a:t>
-            </a:r>
-          </a:p>
-          <a:p>
-            <a:pPr>
-              <a:spcBef>
-                <a:spcPts val="0"/>
-              </a:spcBef>
-            </a:pPr>
-            <a:endParaRPr lang="pt-BR" sz="1800" dirty="0"/>
-          </a:p>
-        </p:txBody>
-      </p:sp>
-    </p:spTree>
-    <p:extLst>
-      <p:ext uri="{BB962C8B-B14F-4D97-AF65-F5344CB8AC3E}">
-        <p14:creationId xmlns:p14="http://schemas.microsoft.com/office/powerpoint/2010/main" val="2856456681"/>
       </p:ext>
     </p:extLst>
   </p:cSld>
@@ -7241,6 +8288,177 @@
 </p:sld>
 </file>
 
+<file path=ppt/slides/slide20.xml><?xml version="1.0" encoding="utf-8"?>
+<p:sld xmlns:a="http://schemas.openxmlformats.org/drawingml/2006/main" xmlns:r="http://schemas.openxmlformats.org/officeDocument/2006/relationships" xmlns:p="http://schemas.openxmlformats.org/presentationml/2006/main">
+  <p:cSld>
+    <p:spTree>
+      <p:nvGrpSpPr>
+        <p:cNvPr id="1" name=""/>
+        <p:cNvGrpSpPr/>
+        <p:nvPr/>
+      </p:nvGrpSpPr>
+      <p:grpSpPr>
+        <a:xfrm>
+          <a:off x="0" y="0"/>
+          <a:ext cx="0" cy="0"/>
+          <a:chOff x="0" y="0"/>
+          <a:chExt cx="0" cy="0"/>
+        </a:xfrm>
+      </p:grpSpPr>
+      <p:sp>
+        <p:nvSpPr>
+          <p:cNvPr id="2" name="Título 1">
+            <a:extLst>
+              <a:ext uri="{FF2B5EF4-FFF2-40B4-BE49-F238E27FC236}">
+                <a16:creationId xmlns:a16="http://schemas.microsoft.com/office/drawing/2014/main" id="{4999CB1B-BFEF-4C05-ADF7-216630D8900A}"/>
+              </a:ext>
+            </a:extLst>
+          </p:cNvPr>
+          <p:cNvSpPr>
+            <a:spLocks noGrp="1"/>
+          </p:cNvSpPr>
+          <p:nvPr>
+            <p:ph type="title"/>
+          </p:nvPr>
+        </p:nvSpPr>
+        <p:spPr/>
+        <p:txBody>
+          <a:bodyPr/>
+          <a:lstStyle/>
+          <a:p>
+            <a:r>
+              <a:rPr lang="pt-BR" dirty="0"/>
+              <a:t>Desafio  - Criando um Portfólio Profissional</a:t>
+            </a:r>
+          </a:p>
+        </p:txBody>
+      </p:sp>
+      <p:sp>
+        <p:nvSpPr>
+          <p:cNvPr id="3" name="Espaço Reservado para Conteúdo 2">
+            <a:extLst>
+              <a:ext uri="{FF2B5EF4-FFF2-40B4-BE49-F238E27FC236}">
+                <a16:creationId xmlns:a16="http://schemas.microsoft.com/office/drawing/2014/main" id="{6C2D865B-5E0D-4254-B171-0E8C5381B1A5}"/>
+              </a:ext>
+            </a:extLst>
+          </p:cNvPr>
+          <p:cNvSpPr>
+            <a:spLocks noGrp="1"/>
+          </p:cNvSpPr>
+          <p:nvPr>
+            <p:ph idx="1"/>
+          </p:nvPr>
+        </p:nvSpPr>
+        <p:spPr/>
+        <p:txBody>
+          <a:bodyPr/>
+          <a:lstStyle/>
+          <a:p>
+            <a:pPr>
+              <a:spcBef>
+                <a:spcPts val="0"/>
+              </a:spcBef>
+            </a:pPr>
+            <a:r>
+              <a:rPr lang="pt-BR" dirty="0"/>
+              <a:t>Criar um site de portfólio simples, onde você usará as </a:t>
+            </a:r>
+            <a:r>
+              <a:rPr lang="pt-BR" dirty="0" err="1"/>
+              <a:t>tags</a:t>
+            </a:r>
+            <a:r>
+              <a:rPr lang="pt-BR" dirty="0"/>
+              <a:t> HTML para estruturar as páginas e apresentar suas informações profissionais. O site será dividido em 4 páginas principais, sendo uma página inicial (Home), uma página de currículo, uma página de projetos pessoais e uma página de certificados.</a:t>
+            </a:r>
+          </a:p>
+          <a:p>
+            <a:pPr>
+              <a:spcBef>
+                <a:spcPts val="0"/>
+              </a:spcBef>
+            </a:pPr>
+            <a:r>
+              <a:rPr lang="pt-BR" dirty="0"/>
+              <a:t>Estrutura do Projeto:</a:t>
+            </a:r>
+          </a:p>
+          <a:p>
+            <a:pPr lvl="1">
+              <a:spcBef>
+                <a:spcPts val="0"/>
+              </a:spcBef>
+            </a:pPr>
+            <a:r>
+              <a:rPr lang="pt-BR" b="1" dirty="0"/>
+              <a:t>Página Home (index.html) - </a:t>
+            </a:r>
+            <a:r>
+              <a:rPr lang="pt-BR" dirty="0"/>
+              <a:t>A página inicial, que servirá como uma introdução ao seu portfólio.</a:t>
+            </a:r>
+          </a:p>
+          <a:p>
+            <a:pPr lvl="1">
+              <a:spcBef>
+                <a:spcPts val="0"/>
+              </a:spcBef>
+            </a:pPr>
+            <a:r>
+              <a:rPr lang="pt-BR" b="1" dirty="0"/>
+              <a:t>Página Currículo (curriculo.html) - </a:t>
+            </a:r>
+            <a:r>
+              <a:rPr lang="pt-BR" dirty="0"/>
+              <a:t>A página onde você apresentará seu currículo profissional.</a:t>
+            </a:r>
+          </a:p>
+          <a:p>
+            <a:pPr lvl="1">
+              <a:spcBef>
+                <a:spcPts val="0"/>
+              </a:spcBef>
+            </a:pPr>
+            <a:r>
+              <a:rPr lang="pt-BR" b="1" dirty="0"/>
+              <a:t>Página Projetos Pessoais (projetos-pessoais.html) - </a:t>
+            </a:r>
+            <a:r>
+              <a:rPr lang="pt-BR" dirty="0"/>
+              <a:t>A página dedicada aos projetos que você desenvolveu ou está desenvolvendo.</a:t>
+            </a:r>
+          </a:p>
+          <a:p>
+            <a:pPr lvl="1">
+              <a:spcBef>
+                <a:spcPts val="0"/>
+              </a:spcBef>
+            </a:pPr>
+            <a:r>
+              <a:rPr lang="pt-BR" b="1" dirty="0"/>
+              <a:t>Página Certificados (certificados.html) - </a:t>
+            </a:r>
+            <a:r>
+              <a:rPr lang="pt-BR" dirty="0"/>
+              <a:t>A página onde você listará seus certificados e conquistas.</a:t>
+            </a:r>
+            <a:endParaRPr lang="pt-BR" sz="1800" dirty="0"/>
+          </a:p>
+        </p:txBody>
+      </p:sp>
+    </p:spTree>
+    <p:extLst>
+      <p:ext uri="{BB962C8B-B14F-4D97-AF65-F5344CB8AC3E}">
+        <p14:creationId xmlns:p14="http://schemas.microsoft.com/office/powerpoint/2010/main" val="2856456681"/>
+      </p:ext>
+    </p:extLst>
+  </p:cSld>
+  <p:clrMapOvr>
+    <a:masterClrMapping/>
+  </p:clrMapOvr>
+</p:sld>
+</file>
+
 <file path=ppt/slides/slide3.xml><?xml version="1.0" encoding="utf-8"?>
 <p:sld xmlns:a="http://schemas.openxmlformats.org/drawingml/2006/main" xmlns:r="http://schemas.openxmlformats.org/officeDocument/2006/relationships" xmlns:p="http://schemas.openxmlformats.org/presentationml/2006/main">
   <p:cSld>
@@ -8302,6 +9520,136 @@
 </file>
 
 <file path=ppt/slides/slide6.xml><?xml version="1.0" encoding="utf-8"?>
+<p:sld xmlns:a="http://schemas.openxmlformats.org/drawingml/2006/main" xmlns:r="http://schemas.openxmlformats.org/officeDocument/2006/relationships" xmlns:p="http://schemas.openxmlformats.org/presentationml/2006/main">
+  <p:cSld>
+    <p:spTree>
+      <p:nvGrpSpPr>
+        <p:cNvPr id="1" name=""/>
+        <p:cNvGrpSpPr/>
+        <p:nvPr/>
+      </p:nvGrpSpPr>
+      <p:grpSpPr>
+        <a:xfrm>
+          <a:off x="0" y="0"/>
+          <a:ext cx="0" cy="0"/>
+          <a:chOff x="0" y="0"/>
+          <a:chExt cx="0" cy="0"/>
+        </a:xfrm>
+      </p:grpSpPr>
+      <p:sp>
+        <p:nvSpPr>
+          <p:cNvPr id="2" name="Título 1">
+            <a:extLst>
+              <a:ext uri="{FF2B5EF4-FFF2-40B4-BE49-F238E27FC236}">
+                <a16:creationId xmlns:a16="http://schemas.microsoft.com/office/drawing/2014/main" id="{6D41F180-A78F-4925-B8D5-14F774639A50}"/>
+              </a:ext>
+            </a:extLst>
+          </p:cNvPr>
+          <p:cNvSpPr>
+            <a:spLocks noGrp="1"/>
+          </p:cNvSpPr>
+          <p:nvPr>
+            <p:ph type="title"/>
+          </p:nvPr>
+        </p:nvSpPr>
+        <p:spPr/>
+        <p:txBody>
+          <a:bodyPr/>
+          <a:lstStyle/>
+          <a:p>
+            <a:r>
+              <a:rPr lang="pt-BR" dirty="0"/>
+              <a:t>Desafio: Crie uma Página de Apresentação</a:t>
+            </a:r>
+          </a:p>
+        </p:txBody>
+      </p:sp>
+      <p:sp>
+        <p:nvSpPr>
+          <p:cNvPr id="3" name="Espaço Reservado para Conteúdo 2">
+            <a:extLst>
+              <a:ext uri="{FF2B5EF4-FFF2-40B4-BE49-F238E27FC236}">
+                <a16:creationId xmlns:a16="http://schemas.microsoft.com/office/drawing/2014/main" id="{7CE3E1F2-5036-4FDB-A904-386299A164A5}"/>
+              </a:ext>
+            </a:extLst>
+          </p:cNvPr>
+          <p:cNvSpPr>
+            <a:spLocks noGrp="1"/>
+          </p:cNvSpPr>
+          <p:nvPr>
+            <p:ph idx="1"/>
+          </p:nvPr>
+        </p:nvSpPr>
+        <p:spPr/>
+        <p:txBody>
+          <a:bodyPr/>
+          <a:lstStyle/>
+          <a:p>
+            <a:r>
+              <a:rPr lang="pt-BR" dirty="0"/>
+              <a:t>Crie uma página HTML simples com um título principal e uma pequena biografia. Utilize as seguintes </a:t>
+            </a:r>
+            <a:r>
+              <a:rPr lang="pt-BR" dirty="0" err="1"/>
+              <a:t>tags</a:t>
+            </a:r>
+            <a:r>
+              <a:rPr lang="pt-BR" dirty="0"/>
+              <a:t>:</a:t>
+            </a:r>
+          </a:p>
+          <a:p>
+            <a:pPr marL="1028700" lvl="1" indent="-342900"/>
+            <a:r>
+              <a:rPr lang="pt-BR" dirty="0"/>
+              <a:t>&lt;h1&gt; para o título principal, com seu nome.</a:t>
+            </a:r>
+          </a:p>
+          <a:p>
+            <a:pPr marL="1028700" lvl="1" indent="-342900"/>
+            <a:r>
+              <a:rPr lang="pt-BR" dirty="0"/>
+              <a:t>&lt;h2&gt; para um subtítulo.</a:t>
+            </a:r>
+          </a:p>
+          <a:p>
+            <a:pPr marL="1028700" lvl="1" indent="-342900"/>
+            <a:r>
+              <a:rPr lang="pt-BR" dirty="0"/>
+              <a:t>&lt;p&gt; para um pequeno parágrafo com uma descrição sobre você.</a:t>
+            </a:r>
+          </a:p>
+          <a:p>
+            <a:pPr marL="1028700" lvl="1" indent="-342900"/>
+            <a:r>
+              <a:rPr lang="pt-BR" dirty="0"/>
+              <a:t>&lt;</a:t>
+            </a:r>
+            <a:r>
+              <a:rPr lang="pt-BR" dirty="0" err="1"/>
+              <a:t>img</a:t>
+            </a:r>
+            <a:r>
+              <a:rPr lang="pt-BR" dirty="0"/>
+              <a:t>&gt; para adicionar uma imagem representativa (pode ser uma foto sua ou uma imagem qualquer da internet).</a:t>
+            </a:r>
+          </a:p>
+        </p:txBody>
+      </p:sp>
+    </p:spTree>
+    <p:extLst>
+      <p:ext uri="{BB962C8B-B14F-4D97-AF65-F5344CB8AC3E}">
+        <p14:creationId xmlns:p14="http://schemas.microsoft.com/office/powerpoint/2010/main" val="2759700786"/>
+      </p:ext>
+    </p:extLst>
+  </p:cSld>
+  <p:clrMapOvr>
+    <a:masterClrMapping/>
+  </p:clrMapOvr>
+</p:sld>
+</file>
+
+<file path=ppt/slides/slide7.xml><?xml version="1.0" encoding="utf-8"?>
 <p:sld xmlns:a="http://schemas.openxmlformats.org/drawingml/2006/main" xmlns:r="http://schemas.openxmlformats.org/officeDocument/2006/relationships" xmlns:p="http://schemas.openxmlformats.org/presentationml/2006/main">
   <p:cSld>
     <p:spTree>
@@ -8890,7 +10238,130 @@
 </p:sld>
 </file>
 
-<file path=ppt/slides/slide7.xml><?xml version="1.0" encoding="utf-8"?>
+<file path=ppt/slides/slide8.xml><?xml version="1.0" encoding="utf-8"?>
+<p:sld xmlns:a="http://schemas.openxmlformats.org/drawingml/2006/main" xmlns:r="http://schemas.openxmlformats.org/officeDocument/2006/relationships" xmlns:p="http://schemas.openxmlformats.org/presentationml/2006/main">
+  <p:cSld>
+    <p:spTree>
+      <p:nvGrpSpPr>
+        <p:cNvPr id="1" name=""/>
+        <p:cNvGrpSpPr/>
+        <p:nvPr/>
+      </p:nvGrpSpPr>
+      <p:grpSpPr>
+        <a:xfrm>
+          <a:off x="0" y="0"/>
+          <a:ext cx="0" cy="0"/>
+          <a:chOff x="0" y="0"/>
+          <a:chExt cx="0" cy="0"/>
+        </a:xfrm>
+      </p:grpSpPr>
+      <p:sp>
+        <p:nvSpPr>
+          <p:cNvPr id="2" name="Título 1">
+            <a:extLst>
+              <a:ext uri="{FF2B5EF4-FFF2-40B4-BE49-F238E27FC236}">
+                <a16:creationId xmlns:a16="http://schemas.microsoft.com/office/drawing/2014/main" id="{B2F18F11-233C-4389-B118-EA688AA25409}"/>
+              </a:ext>
+            </a:extLst>
+          </p:cNvPr>
+          <p:cNvSpPr>
+            <a:spLocks noGrp="1"/>
+          </p:cNvSpPr>
+          <p:nvPr>
+            <p:ph type="title"/>
+          </p:nvPr>
+        </p:nvSpPr>
+        <p:spPr/>
+        <p:txBody>
+          <a:bodyPr/>
+          <a:lstStyle/>
+          <a:p>
+            <a:r>
+              <a:rPr lang="pt-BR" dirty="0"/>
+              <a:t>Desafio: Crie uma Lista de Itens Favoritos</a:t>
+            </a:r>
+          </a:p>
+        </p:txBody>
+      </p:sp>
+      <p:sp>
+        <p:nvSpPr>
+          <p:cNvPr id="3" name="Espaço Reservado para Conteúdo 2">
+            <a:extLst>
+              <a:ext uri="{FF2B5EF4-FFF2-40B4-BE49-F238E27FC236}">
+                <a16:creationId xmlns:a16="http://schemas.microsoft.com/office/drawing/2014/main" id="{665E6CCF-470F-4111-84E3-04CADE900FF3}"/>
+              </a:ext>
+            </a:extLst>
+          </p:cNvPr>
+          <p:cNvSpPr>
+            <a:spLocks noGrp="1"/>
+          </p:cNvSpPr>
+          <p:nvPr>
+            <p:ph idx="1"/>
+          </p:nvPr>
+        </p:nvSpPr>
+        <p:spPr/>
+        <p:txBody>
+          <a:bodyPr/>
+          <a:lstStyle/>
+          <a:p>
+            <a:r>
+              <a:rPr lang="pt-BR" dirty="0"/>
+              <a:t>Agora, você vai criar uma lista não ordenada (&lt;</a:t>
+            </a:r>
+            <a:r>
+              <a:rPr lang="pt-BR" dirty="0" err="1"/>
+              <a:t>ul</a:t>
+            </a:r>
+            <a:r>
+              <a:rPr lang="pt-BR" dirty="0"/>
+              <a:t>&gt;) com coisas que você gosta.</a:t>
+            </a:r>
+          </a:p>
+          <a:p>
+            <a:pPr marL="1028700" lvl="1" indent="-342900"/>
+            <a:r>
+              <a:rPr lang="pt-BR" dirty="0"/>
+              <a:t>Use &lt;h2&gt; para o título da lista.</a:t>
+            </a:r>
+          </a:p>
+          <a:p>
+            <a:pPr marL="1028700" lvl="1" indent="-342900"/>
+            <a:r>
+              <a:rPr lang="pt-BR" dirty="0"/>
+              <a:t>Use &lt;p&gt; para uma breve explicação do que está listando.</a:t>
+            </a:r>
+          </a:p>
+          <a:p>
+            <a:pPr marL="1028700" lvl="1" indent="-342900"/>
+            <a:r>
+              <a:rPr lang="pt-BR" dirty="0"/>
+              <a:t>Use &lt;</a:t>
+            </a:r>
+            <a:r>
+              <a:rPr lang="pt-BR" dirty="0" err="1"/>
+              <a:t>ul</a:t>
+            </a:r>
+            <a:r>
+              <a:rPr lang="pt-BR" dirty="0"/>
+              <a:t>&gt; para listar pelo menos 5 itens.</a:t>
+            </a:r>
+          </a:p>
+        </p:txBody>
+      </p:sp>
+    </p:spTree>
+    <p:extLst>
+      <p:ext uri="{BB962C8B-B14F-4D97-AF65-F5344CB8AC3E}">
+        <p14:creationId xmlns:p14="http://schemas.microsoft.com/office/powerpoint/2010/main" val="17666480"/>
+      </p:ext>
+    </p:extLst>
+  </p:cSld>
+  <p:clrMapOvr>
+    <a:masterClrMapping/>
+  </p:clrMapOvr>
+</p:sld>
+</file>
+
+<file path=ppt/slides/slide9.xml><?xml version="1.0" encoding="utf-8"?>
 <p:sld xmlns:a="http://schemas.openxmlformats.org/drawingml/2006/main" xmlns:r="http://schemas.openxmlformats.org/officeDocument/2006/relationships" xmlns:p="http://schemas.openxmlformats.org/presentationml/2006/main">
   <p:cSld>
     <p:spTree>
@@ -9045,12 +10516,12 @@
               </a:r>
             </a:p>
             <a:p>
-              <a:pPr marL="742950" lvl="1" indent="-285750">
+              <a:pPr marL="800100" lvl="1" indent="-342900">
                 <a:lnSpc>
                   <a:spcPct val="150000"/>
                 </a:lnSpc>
-                <a:buFont typeface="Arial" panose="020B0604020202020204" pitchFamily="34" charset="0"/>
-                <a:buChar char="•"/>
+                <a:buFont typeface="+mj-lt"/>
+                <a:buAutoNum type="arabicPeriod"/>
               </a:pPr>
               <a:r>
                 <a:rPr lang="pt-BR" dirty="0">
@@ -9061,12 +10532,12 @@
               </a:r>
             </a:p>
             <a:p>
-              <a:pPr marL="742950" lvl="1" indent="-285750">
+              <a:pPr marL="800100" lvl="1" indent="-342900">
                 <a:lnSpc>
                   <a:spcPct val="150000"/>
                 </a:lnSpc>
-                <a:buFont typeface="Arial" panose="020B0604020202020204" pitchFamily="34" charset="0"/>
-                <a:buChar char="•"/>
+                <a:buFont typeface="+mj-lt"/>
+                <a:buAutoNum type="arabicPeriod"/>
               </a:pPr>
               <a:r>
                 <a:rPr lang="pt-BR" dirty="0">
@@ -9077,12 +10548,12 @@
               </a:r>
             </a:p>
             <a:p>
-              <a:pPr marL="742950" lvl="1" indent="-285750">
+              <a:pPr marL="800100" lvl="1" indent="-342900">
                 <a:lnSpc>
                   <a:spcPct val="150000"/>
                 </a:lnSpc>
-                <a:buFont typeface="Arial" panose="020B0604020202020204" pitchFamily="34" charset="0"/>
-                <a:buChar char="•"/>
+                <a:buFont typeface="+mj-lt"/>
+                <a:buAutoNum type="arabicPeriod"/>
               </a:pPr>
               <a:r>
                 <a:rPr lang="pt-BR" dirty="0">
@@ -9093,12 +10564,12 @@
               </a:r>
             </a:p>
             <a:p>
-              <a:pPr marL="742950" lvl="1" indent="-285750">
+              <a:pPr marL="800100" lvl="1" indent="-342900">
                 <a:lnSpc>
                   <a:spcPct val="150000"/>
                 </a:lnSpc>
-                <a:buFont typeface="Arial" panose="020B0604020202020204" pitchFamily="34" charset="0"/>
-                <a:buChar char="•"/>
+                <a:buFont typeface="+mj-lt"/>
+                <a:buAutoNum type="arabicPeriod"/>
               </a:pPr>
               <a:r>
                 <a:rPr lang="pt-BR" dirty="0">
@@ -9542,985 +11013,6 @@
     <p:extLst>
       <p:ext uri="{BB962C8B-B14F-4D97-AF65-F5344CB8AC3E}">
         <p14:creationId xmlns:p14="http://schemas.microsoft.com/office/powerpoint/2010/main" val="4026285617"/>
-      </p:ext>
-    </p:extLst>
-  </p:cSld>
-  <p:clrMapOvr>
-    <a:masterClrMapping/>
-  </p:clrMapOvr>
-</p:sld>
-</file>
-
-<file path=ppt/slides/slide8.xml><?xml version="1.0" encoding="utf-8"?>
-<p:sld xmlns:a="http://schemas.openxmlformats.org/drawingml/2006/main" xmlns:r="http://schemas.openxmlformats.org/officeDocument/2006/relationships" xmlns:p="http://schemas.openxmlformats.org/presentationml/2006/main">
-  <p:cSld>
-    <p:spTree>
-      <p:nvGrpSpPr>
-        <p:cNvPr id="1" name=""/>
-        <p:cNvGrpSpPr/>
-        <p:nvPr/>
-      </p:nvGrpSpPr>
-      <p:grpSpPr>
-        <a:xfrm>
-          <a:off x="0" y="0"/>
-          <a:ext cx="0" cy="0"/>
-          <a:chOff x="0" y="0"/>
-          <a:chExt cx="0" cy="0"/>
-        </a:xfrm>
-      </p:grpSpPr>
-      <p:sp>
-        <p:nvSpPr>
-          <p:cNvPr id="2" name="Título 1">
-            <a:extLst>
-              <a:ext uri="{FF2B5EF4-FFF2-40B4-BE49-F238E27FC236}">
-                <a16:creationId xmlns:a16="http://schemas.microsoft.com/office/drawing/2014/main" id="{839263D6-67E3-41D2-A3F9-23DA1F4C4E89}"/>
-              </a:ext>
-            </a:extLst>
-          </p:cNvPr>
-          <p:cNvSpPr>
-            <a:spLocks noGrp="1"/>
-          </p:cNvSpPr>
-          <p:nvPr>
-            <p:ph type="title"/>
-          </p:nvPr>
-        </p:nvSpPr>
-        <p:spPr/>
-        <p:txBody>
-          <a:bodyPr/>
-          <a:lstStyle/>
-          <a:p>
-            <a:r>
-              <a:rPr lang="pt-BR" dirty="0"/>
-              <a:t>Atributos das listas</a:t>
-            </a:r>
-          </a:p>
-        </p:txBody>
-      </p:sp>
-      <p:cxnSp>
-        <p:nvCxnSpPr>
-          <p:cNvPr id="5" name="Conector reto 4">
-            <a:extLst>
-              <a:ext uri="{FF2B5EF4-FFF2-40B4-BE49-F238E27FC236}">
-                <a16:creationId xmlns:a16="http://schemas.microsoft.com/office/drawing/2014/main" id="{5AB5DC9D-EF4C-46A8-AC5D-0CD37A422354}"/>
-              </a:ext>
-            </a:extLst>
-          </p:cNvPr>
-          <p:cNvCxnSpPr>
-            <a:cxnSpLocks/>
-          </p:cNvCxnSpPr>
-          <p:nvPr/>
-        </p:nvCxnSpPr>
-        <p:spPr>
-          <a:xfrm>
-            <a:off x="6096000" y="1844675"/>
-            <a:ext cx="0" cy="4351338"/>
-          </a:xfrm>
-          <a:prstGeom prst="line">
-            <a:avLst/>
-          </a:prstGeom>
-          <a:ln w="28575">
-            <a:solidFill>
-              <a:schemeClr val="tx1"/>
-            </a:solidFill>
-          </a:ln>
-        </p:spPr>
-        <p:style>
-          <a:lnRef idx="1">
-            <a:schemeClr val="accent1"/>
-          </a:lnRef>
-          <a:fillRef idx="0">
-            <a:schemeClr val="accent1"/>
-          </a:fillRef>
-          <a:effectRef idx="0">
-            <a:schemeClr val="accent1"/>
-          </a:effectRef>
-          <a:fontRef idx="minor">
-            <a:schemeClr val="tx1"/>
-          </a:fontRef>
-        </p:style>
-      </p:cxnSp>
-      <p:sp>
-        <p:nvSpPr>
-          <p:cNvPr id="6" name="CaixaDeTexto 5">
-            <a:extLst>
-              <a:ext uri="{FF2B5EF4-FFF2-40B4-BE49-F238E27FC236}">
-                <a16:creationId xmlns:a16="http://schemas.microsoft.com/office/drawing/2014/main" id="{A937BB27-0A70-4799-8F43-EDDAC180C19A}"/>
-              </a:ext>
-            </a:extLst>
-          </p:cNvPr>
-          <p:cNvSpPr txBox="1"/>
-          <p:nvPr/>
-        </p:nvSpPr>
-        <p:spPr>
-          <a:xfrm>
-            <a:off x="749185" y="1844675"/>
-            <a:ext cx="5015886" cy="2264081"/>
-          </a:xfrm>
-          <a:prstGeom prst="rect">
-            <a:avLst/>
-          </a:prstGeom>
-          <a:noFill/>
-        </p:spPr>
-        <p:txBody>
-          <a:bodyPr wrap="square" rtlCol="0">
-            <a:spAutoFit/>
-          </a:bodyPr>
-          <a:lstStyle/>
-          <a:p>
-            <a:pPr>
-              <a:lnSpc>
-                <a:spcPct val="150000"/>
-              </a:lnSpc>
-            </a:pPr>
-            <a:r>
-              <a:rPr lang="pt-BR" sz="1600" b="1" dirty="0">
-                <a:latin typeface="Times New Roman" panose="02020603050405020304" pitchFamily="18" charset="0"/>
-                <a:cs typeface="Times New Roman" panose="02020603050405020304" pitchFamily="18" charset="0"/>
-              </a:rPr>
-              <a:t>Listas não ordenadas</a:t>
-            </a:r>
-          </a:p>
-          <a:p>
-            <a:pPr>
-              <a:lnSpc>
-                <a:spcPct val="150000"/>
-              </a:lnSpc>
-            </a:pPr>
-            <a:r>
-              <a:rPr lang="pt-BR" sz="1600" b="1" dirty="0" err="1">
-                <a:latin typeface="Times New Roman" panose="02020603050405020304" pitchFamily="18" charset="0"/>
-                <a:cs typeface="Times New Roman" panose="02020603050405020304" pitchFamily="18" charset="0"/>
-              </a:rPr>
-              <a:t>type</a:t>
-            </a:r>
-            <a:r>
-              <a:rPr lang="pt-BR" sz="1600" b="1" dirty="0">
-                <a:latin typeface="Times New Roman" panose="02020603050405020304" pitchFamily="18" charset="0"/>
-                <a:cs typeface="Times New Roman" panose="02020603050405020304" pitchFamily="18" charset="0"/>
-              </a:rPr>
-              <a:t>:</a:t>
-            </a:r>
-            <a:r>
-              <a:rPr lang="pt-BR" sz="1600" dirty="0">
-                <a:latin typeface="Times New Roman" panose="02020603050405020304" pitchFamily="18" charset="0"/>
-                <a:cs typeface="Times New Roman" panose="02020603050405020304" pitchFamily="18" charset="0"/>
-              </a:rPr>
-              <a:t> Este atributo permite alterar o estilo do marcador da lista </a:t>
-            </a:r>
-          </a:p>
-          <a:p>
-            <a:pPr marL="742950" lvl="1" indent="-285750">
-              <a:lnSpc>
-                <a:spcPct val="150000"/>
-              </a:lnSpc>
-              <a:buFont typeface="Arial" panose="020B0604020202020204" pitchFamily="34" charset="0"/>
-              <a:buChar char="•"/>
-            </a:pPr>
-            <a:r>
-              <a:rPr lang="pt-BR" sz="1600" dirty="0" err="1">
-                <a:latin typeface="Times New Roman" panose="02020603050405020304" pitchFamily="18" charset="0"/>
-                <a:cs typeface="Times New Roman" panose="02020603050405020304" pitchFamily="18" charset="0"/>
-              </a:rPr>
-              <a:t>type</a:t>
-            </a:r>
-            <a:r>
-              <a:rPr lang="pt-BR" sz="1600" dirty="0">
-                <a:latin typeface="Times New Roman" panose="02020603050405020304" pitchFamily="18" charset="0"/>
-                <a:cs typeface="Times New Roman" panose="02020603050405020304" pitchFamily="18" charset="0"/>
-              </a:rPr>
-              <a:t>=“</a:t>
-            </a:r>
-            <a:r>
-              <a:rPr lang="pt-BR" sz="1600" dirty="0" err="1">
-                <a:latin typeface="Times New Roman" panose="02020603050405020304" pitchFamily="18" charset="0"/>
-                <a:cs typeface="Times New Roman" panose="02020603050405020304" pitchFamily="18" charset="0"/>
-              </a:rPr>
-              <a:t>disc</a:t>
-            </a:r>
-            <a:r>
-              <a:rPr lang="pt-BR" sz="1600" dirty="0">
-                <a:latin typeface="Times New Roman" panose="02020603050405020304" pitchFamily="18" charset="0"/>
-                <a:cs typeface="Times New Roman" panose="02020603050405020304" pitchFamily="18" charset="0"/>
-              </a:rPr>
-              <a:t>”: Marcador circular.</a:t>
-            </a:r>
-          </a:p>
-          <a:p>
-            <a:pPr marL="742950" lvl="1" indent="-285750">
-              <a:lnSpc>
-                <a:spcPct val="150000"/>
-              </a:lnSpc>
-              <a:buFont typeface="Arial" panose="020B0604020202020204" pitchFamily="34" charset="0"/>
-              <a:buChar char="•"/>
-            </a:pPr>
-            <a:r>
-              <a:rPr lang="pt-BR" sz="1600" dirty="0" err="1">
-                <a:latin typeface="Times New Roman" panose="02020603050405020304" pitchFamily="18" charset="0"/>
-                <a:cs typeface="Times New Roman" panose="02020603050405020304" pitchFamily="18" charset="0"/>
-              </a:rPr>
-              <a:t>type</a:t>
-            </a:r>
-            <a:r>
-              <a:rPr lang="pt-BR" sz="1600" dirty="0">
-                <a:latin typeface="Times New Roman" panose="02020603050405020304" pitchFamily="18" charset="0"/>
-                <a:cs typeface="Times New Roman" panose="02020603050405020304" pitchFamily="18" charset="0"/>
-              </a:rPr>
-              <a:t>=“</a:t>
-            </a:r>
-            <a:r>
-              <a:rPr lang="pt-BR" sz="1600" dirty="0" err="1">
-                <a:latin typeface="Times New Roman" panose="02020603050405020304" pitchFamily="18" charset="0"/>
-                <a:cs typeface="Times New Roman" panose="02020603050405020304" pitchFamily="18" charset="0"/>
-              </a:rPr>
-              <a:t>circle</a:t>
-            </a:r>
-            <a:r>
-              <a:rPr lang="pt-BR" sz="1600" dirty="0">
-                <a:latin typeface="Times New Roman" panose="02020603050405020304" pitchFamily="18" charset="0"/>
-                <a:cs typeface="Times New Roman" panose="02020603050405020304" pitchFamily="18" charset="0"/>
-              </a:rPr>
-              <a:t>”: Marcador circular vazio.</a:t>
-            </a:r>
-          </a:p>
-          <a:p>
-            <a:pPr marL="742950" lvl="1" indent="-285750">
-              <a:lnSpc>
-                <a:spcPct val="150000"/>
-              </a:lnSpc>
-              <a:buFont typeface="Arial" panose="020B0604020202020204" pitchFamily="34" charset="0"/>
-              <a:buChar char="•"/>
-            </a:pPr>
-            <a:r>
-              <a:rPr lang="pt-BR" sz="1600" dirty="0" err="1">
-                <a:latin typeface="Times New Roman" panose="02020603050405020304" pitchFamily="18" charset="0"/>
-                <a:cs typeface="Times New Roman" panose="02020603050405020304" pitchFamily="18" charset="0"/>
-              </a:rPr>
-              <a:t>type</a:t>
-            </a:r>
-            <a:r>
-              <a:rPr lang="pt-BR" sz="1600" dirty="0">
-                <a:latin typeface="Times New Roman" panose="02020603050405020304" pitchFamily="18" charset="0"/>
-                <a:cs typeface="Times New Roman" panose="02020603050405020304" pitchFamily="18" charset="0"/>
-              </a:rPr>
-              <a:t>=“</a:t>
-            </a:r>
-            <a:r>
-              <a:rPr lang="pt-BR" sz="1600" dirty="0" err="1">
-                <a:latin typeface="Times New Roman" panose="02020603050405020304" pitchFamily="18" charset="0"/>
-                <a:cs typeface="Times New Roman" panose="02020603050405020304" pitchFamily="18" charset="0"/>
-              </a:rPr>
-              <a:t>square</a:t>
-            </a:r>
-            <a:r>
-              <a:rPr lang="pt-BR" sz="1600" dirty="0">
-                <a:latin typeface="Times New Roman" panose="02020603050405020304" pitchFamily="18" charset="0"/>
-                <a:cs typeface="Times New Roman" panose="02020603050405020304" pitchFamily="18" charset="0"/>
-              </a:rPr>
-              <a:t>”: Marcador quadrado.</a:t>
-            </a:r>
-          </a:p>
-        </p:txBody>
-      </p:sp>
-      <p:sp>
-        <p:nvSpPr>
-          <p:cNvPr id="7" name="CaixaDeTexto 6">
-            <a:extLst>
-              <a:ext uri="{FF2B5EF4-FFF2-40B4-BE49-F238E27FC236}">
-                <a16:creationId xmlns:a16="http://schemas.microsoft.com/office/drawing/2014/main" id="{89FD492E-1F60-47CA-B5E4-AF83BB4F70DF}"/>
-              </a:ext>
-            </a:extLst>
-          </p:cNvPr>
-          <p:cNvSpPr txBox="1"/>
-          <p:nvPr/>
-        </p:nvSpPr>
-        <p:spPr>
-          <a:xfrm>
-            <a:off x="6562157" y="1844675"/>
-            <a:ext cx="5015886" cy="4110741"/>
-          </a:xfrm>
-          <a:prstGeom prst="rect">
-            <a:avLst/>
-          </a:prstGeom>
-          <a:noFill/>
-        </p:spPr>
-        <p:txBody>
-          <a:bodyPr wrap="square" rtlCol="0">
-            <a:spAutoFit/>
-          </a:bodyPr>
-          <a:lstStyle/>
-          <a:p>
-            <a:pPr>
-              <a:lnSpc>
-                <a:spcPct val="150000"/>
-              </a:lnSpc>
-            </a:pPr>
-            <a:r>
-              <a:rPr lang="pt-BR" sz="1600" b="1" dirty="0">
-                <a:latin typeface="Times New Roman" panose="02020603050405020304" pitchFamily="18" charset="0"/>
-                <a:cs typeface="Times New Roman" panose="02020603050405020304" pitchFamily="18" charset="0"/>
-              </a:rPr>
-              <a:t>Listas ordenadas</a:t>
-            </a:r>
-          </a:p>
-          <a:p>
-            <a:pPr>
-              <a:lnSpc>
-                <a:spcPct val="150000"/>
-              </a:lnSpc>
-            </a:pPr>
-            <a:r>
-              <a:rPr lang="pt-BR" sz="1600" b="1" dirty="0" err="1">
-                <a:latin typeface="Times New Roman" panose="02020603050405020304" pitchFamily="18" charset="0"/>
-                <a:cs typeface="Times New Roman" panose="02020603050405020304" pitchFamily="18" charset="0"/>
-              </a:rPr>
-              <a:t>type</a:t>
-            </a:r>
-            <a:r>
-              <a:rPr lang="pt-BR" sz="1600" b="1" dirty="0">
-                <a:latin typeface="Times New Roman" panose="02020603050405020304" pitchFamily="18" charset="0"/>
-                <a:cs typeface="Times New Roman" panose="02020603050405020304" pitchFamily="18" charset="0"/>
-              </a:rPr>
-              <a:t>:</a:t>
-            </a:r>
-            <a:r>
-              <a:rPr lang="pt-BR" sz="1600" dirty="0">
-                <a:latin typeface="Times New Roman" panose="02020603050405020304" pitchFamily="18" charset="0"/>
-                <a:cs typeface="Times New Roman" panose="02020603050405020304" pitchFamily="18" charset="0"/>
-              </a:rPr>
-              <a:t> Este atributo permite alterar o estilo do marcador da lista </a:t>
-            </a:r>
-          </a:p>
-          <a:p>
-            <a:pPr marL="742950" lvl="1" indent="-285750">
-              <a:lnSpc>
-                <a:spcPct val="150000"/>
-              </a:lnSpc>
-              <a:buFont typeface="Arial" panose="020B0604020202020204" pitchFamily="34" charset="0"/>
-              <a:buChar char="•"/>
-            </a:pPr>
-            <a:r>
-              <a:rPr lang="pt-BR" sz="1600" dirty="0" err="1">
-                <a:latin typeface="Times New Roman" panose="02020603050405020304" pitchFamily="18" charset="0"/>
-                <a:cs typeface="Times New Roman" panose="02020603050405020304" pitchFamily="18" charset="0"/>
-              </a:rPr>
-              <a:t>type</a:t>
-            </a:r>
-            <a:r>
-              <a:rPr lang="pt-BR" sz="1600" dirty="0">
-                <a:latin typeface="Times New Roman" panose="02020603050405020304" pitchFamily="18" charset="0"/>
-                <a:cs typeface="Times New Roman" panose="02020603050405020304" pitchFamily="18" charset="0"/>
-              </a:rPr>
-              <a:t>=“1”: números.</a:t>
-            </a:r>
-          </a:p>
-          <a:p>
-            <a:pPr marL="742950" lvl="1" indent="-285750">
-              <a:lnSpc>
-                <a:spcPct val="150000"/>
-              </a:lnSpc>
-              <a:buFont typeface="Arial" panose="020B0604020202020204" pitchFamily="34" charset="0"/>
-              <a:buChar char="•"/>
-            </a:pPr>
-            <a:r>
-              <a:rPr lang="pt-BR" sz="1600" dirty="0" err="1">
-                <a:latin typeface="Times New Roman" panose="02020603050405020304" pitchFamily="18" charset="0"/>
-                <a:cs typeface="Times New Roman" panose="02020603050405020304" pitchFamily="18" charset="0"/>
-              </a:rPr>
-              <a:t>type</a:t>
-            </a:r>
-            <a:r>
-              <a:rPr lang="pt-BR" sz="1600" dirty="0">
-                <a:latin typeface="Times New Roman" panose="02020603050405020304" pitchFamily="18" charset="0"/>
-                <a:cs typeface="Times New Roman" panose="02020603050405020304" pitchFamily="18" charset="0"/>
-              </a:rPr>
-              <a:t>=“A”: Letras maiúsculas.</a:t>
-            </a:r>
-          </a:p>
-          <a:p>
-            <a:pPr marL="742950" lvl="1" indent="-285750">
-              <a:lnSpc>
-                <a:spcPct val="150000"/>
-              </a:lnSpc>
-              <a:buFont typeface="Arial" panose="020B0604020202020204" pitchFamily="34" charset="0"/>
-              <a:buChar char="•"/>
-            </a:pPr>
-            <a:r>
-              <a:rPr lang="pt-BR" sz="1600" dirty="0" err="1">
-                <a:latin typeface="Times New Roman" panose="02020603050405020304" pitchFamily="18" charset="0"/>
-                <a:cs typeface="Times New Roman" panose="02020603050405020304" pitchFamily="18" charset="0"/>
-              </a:rPr>
-              <a:t>type</a:t>
-            </a:r>
-            <a:r>
-              <a:rPr lang="pt-BR" sz="1600" dirty="0">
-                <a:latin typeface="Times New Roman" panose="02020603050405020304" pitchFamily="18" charset="0"/>
-                <a:cs typeface="Times New Roman" panose="02020603050405020304" pitchFamily="18" charset="0"/>
-              </a:rPr>
-              <a:t>=“a”: Letras minúsculas.</a:t>
-            </a:r>
-          </a:p>
-          <a:p>
-            <a:pPr marL="742950" lvl="1" indent="-285750">
-              <a:lnSpc>
-                <a:spcPct val="150000"/>
-              </a:lnSpc>
-              <a:buFont typeface="Arial" panose="020B0604020202020204" pitchFamily="34" charset="0"/>
-              <a:buChar char="•"/>
-            </a:pPr>
-            <a:r>
-              <a:rPr lang="pt-BR" sz="1600" dirty="0" err="1">
-                <a:latin typeface="Times New Roman" panose="02020603050405020304" pitchFamily="18" charset="0"/>
-                <a:cs typeface="Times New Roman" panose="02020603050405020304" pitchFamily="18" charset="0"/>
-              </a:rPr>
-              <a:t>type</a:t>
-            </a:r>
-            <a:r>
-              <a:rPr lang="pt-BR" sz="1600" dirty="0">
-                <a:latin typeface="Times New Roman" panose="02020603050405020304" pitchFamily="18" charset="0"/>
-                <a:cs typeface="Times New Roman" panose="02020603050405020304" pitchFamily="18" charset="0"/>
-              </a:rPr>
-              <a:t>=“I”: Números romanos maiúsculos.</a:t>
-            </a:r>
-          </a:p>
-          <a:p>
-            <a:pPr marL="742950" lvl="1" indent="-285750">
-              <a:lnSpc>
-                <a:spcPct val="150000"/>
-              </a:lnSpc>
-              <a:buFont typeface="Arial" panose="020B0604020202020204" pitchFamily="34" charset="0"/>
-              <a:buChar char="•"/>
-            </a:pPr>
-            <a:r>
-              <a:rPr lang="pt-BR" sz="1600" dirty="0" err="1">
-                <a:latin typeface="Times New Roman" panose="02020603050405020304" pitchFamily="18" charset="0"/>
-                <a:cs typeface="Times New Roman" panose="02020603050405020304" pitchFamily="18" charset="0"/>
-              </a:rPr>
-              <a:t>type</a:t>
-            </a:r>
-            <a:r>
-              <a:rPr lang="pt-BR" sz="1600" dirty="0">
-                <a:latin typeface="Times New Roman" panose="02020603050405020304" pitchFamily="18" charset="0"/>
-                <a:cs typeface="Times New Roman" panose="02020603050405020304" pitchFamily="18" charset="0"/>
-              </a:rPr>
-              <a:t>=“i”: Números romanos minúsculos.</a:t>
-            </a:r>
-          </a:p>
-          <a:p>
-            <a:pPr marL="742950" lvl="1" indent="-285750">
-              <a:lnSpc>
-                <a:spcPct val="150000"/>
-              </a:lnSpc>
-              <a:buFont typeface="Arial" panose="020B0604020202020204" pitchFamily="34" charset="0"/>
-              <a:buChar char="•"/>
-            </a:pPr>
-            <a:r>
-              <a:rPr lang="pt-BR" sz="1600" dirty="0">
-                <a:latin typeface="Times New Roman" panose="02020603050405020304" pitchFamily="18" charset="0"/>
-                <a:cs typeface="Times New Roman" panose="02020603050405020304" pitchFamily="18" charset="0"/>
-              </a:rPr>
-              <a:t>start: Define o número inicial da contagem.</a:t>
-            </a:r>
-          </a:p>
-          <a:p>
-            <a:pPr marL="742950" lvl="1" indent="-285750">
-              <a:lnSpc>
-                <a:spcPct val="150000"/>
-              </a:lnSpc>
-              <a:buFont typeface="Arial" panose="020B0604020202020204" pitchFamily="34" charset="0"/>
-              <a:buChar char="•"/>
-            </a:pPr>
-            <a:r>
-              <a:rPr lang="pt-BR" sz="1600" dirty="0" err="1">
-                <a:latin typeface="Times New Roman" panose="02020603050405020304" pitchFamily="18" charset="0"/>
-                <a:cs typeface="Times New Roman" panose="02020603050405020304" pitchFamily="18" charset="0"/>
-              </a:rPr>
-              <a:t>reversed</a:t>
-            </a:r>
-            <a:r>
-              <a:rPr lang="pt-BR" sz="1600" dirty="0">
-                <a:latin typeface="Times New Roman" panose="02020603050405020304" pitchFamily="18" charset="0"/>
-                <a:cs typeface="Times New Roman" panose="02020603050405020304" pitchFamily="18" charset="0"/>
-              </a:rPr>
-              <a:t>: Faz com que os itens da lista sejam numerados de forma decrescente</a:t>
-            </a:r>
-          </a:p>
-        </p:txBody>
-      </p:sp>
-    </p:spTree>
-    <p:extLst>
-      <p:ext uri="{BB962C8B-B14F-4D97-AF65-F5344CB8AC3E}">
-        <p14:creationId xmlns:p14="http://schemas.microsoft.com/office/powerpoint/2010/main" val="2993163263"/>
-      </p:ext>
-    </p:extLst>
-  </p:cSld>
-  <p:clrMapOvr>
-    <a:masterClrMapping/>
-  </p:clrMapOvr>
-</p:sld>
-</file>
-
-<file path=ppt/slides/slide9.xml><?xml version="1.0" encoding="utf-8"?>
-<p:sld xmlns:a="http://schemas.openxmlformats.org/drawingml/2006/main" xmlns:r="http://schemas.openxmlformats.org/officeDocument/2006/relationships" xmlns:p="http://schemas.openxmlformats.org/presentationml/2006/main">
-  <p:cSld>
-    <p:spTree>
-      <p:nvGrpSpPr>
-        <p:cNvPr id="1" name=""/>
-        <p:cNvGrpSpPr/>
-        <p:nvPr/>
-      </p:nvGrpSpPr>
-      <p:grpSpPr>
-        <a:xfrm>
-          <a:off x="0" y="0"/>
-          <a:ext cx="0" cy="0"/>
-          <a:chOff x="0" y="0"/>
-          <a:chExt cx="0" cy="0"/>
-        </a:xfrm>
-      </p:grpSpPr>
-      <p:sp>
-        <p:nvSpPr>
-          <p:cNvPr id="2" name="Título 1">
-            <a:extLst>
-              <a:ext uri="{FF2B5EF4-FFF2-40B4-BE49-F238E27FC236}">
-                <a16:creationId xmlns:a16="http://schemas.microsoft.com/office/drawing/2014/main" id="{F9254EED-F397-4A1E-B369-1302A8D8A272}"/>
-              </a:ext>
-            </a:extLst>
-          </p:cNvPr>
-          <p:cNvSpPr>
-            <a:spLocks noGrp="1"/>
-          </p:cNvSpPr>
-          <p:nvPr>
-            <p:ph type="title"/>
-          </p:nvPr>
-        </p:nvSpPr>
-        <p:spPr/>
-        <p:txBody>
-          <a:bodyPr/>
-          <a:lstStyle/>
-          <a:p>
-            <a:r>
-              <a:rPr lang="pt-BR" dirty="0"/>
-              <a:t>Listas aninhadas</a:t>
-            </a:r>
-          </a:p>
-        </p:txBody>
-      </p:sp>
-      <p:sp>
-        <p:nvSpPr>
-          <p:cNvPr id="3" name="Espaço Reservado para Conteúdo 2">
-            <a:extLst>
-              <a:ext uri="{FF2B5EF4-FFF2-40B4-BE49-F238E27FC236}">
-                <a16:creationId xmlns:a16="http://schemas.microsoft.com/office/drawing/2014/main" id="{92600C95-4D79-4097-97EB-C558B222940A}"/>
-              </a:ext>
-            </a:extLst>
-          </p:cNvPr>
-          <p:cNvSpPr>
-            <a:spLocks noGrp="1"/>
-          </p:cNvSpPr>
-          <p:nvPr>
-            <p:ph idx="1"/>
-          </p:nvPr>
-        </p:nvSpPr>
-        <p:spPr>
-          <a:xfrm>
-            <a:off x="592347" y="1844675"/>
-            <a:ext cx="11007306" cy="1346200"/>
-          </a:xfrm>
-        </p:spPr>
-        <p:txBody>
-          <a:bodyPr/>
-          <a:lstStyle/>
-          <a:p>
-            <a:r>
-              <a:rPr lang="pt-BR" sz="1800" dirty="0"/>
-              <a:t>Em HTML, listas dentro de listas, também chamadas de listas aninhadas, são usadas para organizar informações de forma hierárquica, com subcategorias ou subitens. Isso é feito inserindo uma nova lista (ordenada &lt;</a:t>
-            </a:r>
-            <a:r>
-              <a:rPr lang="pt-BR" sz="1800" dirty="0" err="1"/>
-              <a:t>ol</a:t>
-            </a:r>
-            <a:r>
-              <a:rPr lang="pt-BR" sz="1800" dirty="0"/>
-              <a:t>&gt; ou não ordenada &lt;</a:t>
-            </a:r>
-            <a:r>
-              <a:rPr lang="pt-BR" sz="1800" dirty="0" err="1"/>
-              <a:t>ul</a:t>
-            </a:r>
-            <a:r>
-              <a:rPr lang="pt-BR" sz="1800" dirty="0"/>
-              <a:t>&gt;) dentro de um item de lista (&lt;li&gt;), criando uma estrutura mais detalhada e lógica para os dados.</a:t>
-            </a:r>
-          </a:p>
-        </p:txBody>
-      </p:sp>
-      <p:sp>
-        <p:nvSpPr>
-          <p:cNvPr id="4" name="Retângulo 3">
-            <a:extLst>
-              <a:ext uri="{FF2B5EF4-FFF2-40B4-BE49-F238E27FC236}">
-                <a16:creationId xmlns:a16="http://schemas.microsoft.com/office/drawing/2014/main" id="{F1E9AA06-F26A-4029-AD58-539CBBA95988}"/>
-              </a:ext>
-            </a:extLst>
-          </p:cNvPr>
-          <p:cNvSpPr/>
-          <p:nvPr/>
-        </p:nvSpPr>
-        <p:spPr>
-          <a:xfrm>
-            <a:off x="2587625" y="3732557"/>
-            <a:ext cx="2371725" cy="2667397"/>
-          </a:xfrm>
-          <a:prstGeom prst="rect">
-            <a:avLst/>
-          </a:prstGeom>
-        </p:spPr>
-        <p:txBody>
-          <a:bodyPr wrap="square">
-            <a:spAutoFit/>
-          </a:bodyPr>
-          <a:lstStyle/>
-          <a:p>
-            <a:pPr>
-              <a:spcBef>
-                <a:spcPts val="150"/>
-              </a:spcBef>
-              <a:spcAft>
-                <a:spcPts val="150"/>
-              </a:spcAft>
-              <a:buFont typeface="+mj-lt"/>
-              <a:buAutoNum type="arabicPeriod"/>
-            </a:pPr>
-            <a:r>
-              <a:rPr lang="pt-BR" dirty="0">
-                <a:solidFill>
-                  <a:srgbClr val="000000"/>
-                </a:solidFill>
-                <a:latin typeface="Times New Roman" panose="02020603050405020304" pitchFamily="18" charset="0"/>
-              </a:rPr>
-              <a:t>Frutas</a:t>
-            </a:r>
-          </a:p>
-          <a:p>
-            <a:pPr marL="742950" lvl="1" indent="-285750">
-              <a:spcBef>
-                <a:spcPts val="150"/>
-              </a:spcBef>
-              <a:spcAft>
-                <a:spcPts val="150"/>
-              </a:spcAft>
-              <a:buFont typeface="Arial" panose="020B0604020202020204" pitchFamily="34" charset="0"/>
-              <a:buChar char="•"/>
-            </a:pPr>
-            <a:r>
-              <a:rPr lang="pt-BR" dirty="0">
-                <a:solidFill>
-                  <a:srgbClr val="000000"/>
-                </a:solidFill>
-                <a:latin typeface="Times New Roman" panose="02020603050405020304" pitchFamily="18" charset="0"/>
-              </a:rPr>
-              <a:t>Maçã</a:t>
-            </a:r>
-          </a:p>
-          <a:p>
-            <a:pPr marL="742950" lvl="1" indent="-285750">
-              <a:spcBef>
-                <a:spcPts val="150"/>
-              </a:spcBef>
-              <a:spcAft>
-                <a:spcPts val="150"/>
-              </a:spcAft>
-              <a:buFont typeface="Arial" panose="020B0604020202020204" pitchFamily="34" charset="0"/>
-              <a:buChar char="•"/>
-            </a:pPr>
-            <a:r>
-              <a:rPr lang="pt-BR" dirty="0">
-                <a:solidFill>
-                  <a:srgbClr val="000000"/>
-                </a:solidFill>
-                <a:latin typeface="Times New Roman" panose="02020603050405020304" pitchFamily="18" charset="0"/>
-              </a:rPr>
-              <a:t>Banana</a:t>
-            </a:r>
-          </a:p>
-          <a:p>
-            <a:pPr marL="742950" lvl="1" indent="-285750">
-              <a:spcBef>
-                <a:spcPts val="150"/>
-              </a:spcBef>
-              <a:spcAft>
-                <a:spcPts val="150"/>
-              </a:spcAft>
-              <a:buFont typeface="Arial" panose="020B0604020202020204" pitchFamily="34" charset="0"/>
-              <a:buChar char="•"/>
-            </a:pPr>
-            <a:r>
-              <a:rPr lang="pt-BR" dirty="0">
-                <a:solidFill>
-                  <a:srgbClr val="000000"/>
-                </a:solidFill>
-                <a:latin typeface="Times New Roman" panose="02020603050405020304" pitchFamily="18" charset="0"/>
-              </a:rPr>
-              <a:t>Laranja</a:t>
-            </a:r>
-          </a:p>
-          <a:p>
-            <a:pPr>
-              <a:spcBef>
-                <a:spcPts val="150"/>
-              </a:spcBef>
-              <a:spcAft>
-                <a:spcPts val="150"/>
-              </a:spcAft>
-              <a:buFont typeface="+mj-lt"/>
-              <a:buAutoNum type="arabicPeriod"/>
-            </a:pPr>
-            <a:r>
-              <a:rPr lang="pt-BR" dirty="0">
-                <a:solidFill>
-                  <a:srgbClr val="000000"/>
-                </a:solidFill>
-                <a:latin typeface="Times New Roman" panose="02020603050405020304" pitchFamily="18" charset="0"/>
-              </a:rPr>
-              <a:t>Verduras</a:t>
-            </a:r>
-          </a:p>
-          <a:p>
-            <a:pPr marL="742950" lvl="1" indent="-285750">
-              <a:spcBef>
-                <a:spcPts val="150"/>
-              </a:spcBef>
-              <a:spcAft>
-                <a:spcPts val="150"/>
-              </a:spcAft>
-              <a:buFont typeface="Arial" panose="020B0604020202020204" pitchFamily="34" charset="0"/>
-              <a:buChar char="•"/>
-            </a:pPr>
-            <a:r>
-              <a:rPr lang="pt-BR" dirty="0">
-                <a:solidFill>
-                  <a:srgbClr val="000000"/>
-                </a:solidFill>
-                <a:latin typeface="Times New Roman" panose="02020603050405020304" pitchFamily="18" charset="0"/>
-              </a:rPr>
-              <a:t>Alface</a:t>
-            </a:r>
-          </a:p>
-          <a:p>
-            <a:pPr marL="742950" lvl="1" indent="-285750">
-              <a:spcBef>
-                <a:spcPts val="150"/>
-              </a:spcBef>
-              <a:spcAft>
-                <a:spcPts val="150"/>
-              </a:spcAft>
-              <a:buFont typeface="Arial" panose="020B0604020202020204" pitchFamily="34" charset="0"/>
-              <a:buChar char="•"/>
-            </a:pPr>
-            <a:r>
-              <a:rPr lang="pt-BR" dirty="0">
-                <a:solidFill>
-                  <a:srgbClr val="000000"/>
-                </a:solidFill>
-                <a:latin typeface="Times New Roman" panose="02020603050405020304" pitchFamily="18" charset="0"/>
-              </a:rPr>
-              <a:t>Espinafre</a:t>
-            </a:r>
-          </a:p>
-          <a:p>
-            <a:pPr marL="742950" lvl="1" indent="-285750">
-              <a:spcBef>
-                <a:spcPts val="150"/>
-              </a:spcBef>
-              <a:spcAft>
-                <a:spcPts val="150"/>
-              </a:spcAft>
-              <a:buFont typeface="Arial" panose="020B0604020202020204" pitchFamily="34" charset="0"/>
-              <a:buChar char="•"/>
-            </a:pPr>
-            <a:r>
-              <a:rPr lang="pt-BR" dirty="0">
-                <a:solidFill>
-                  <a:srgbClr val="000000"/>
-                </a:solidFill>
-                <a:latin typeface="Times New Roman" panose="02020603050405020304" pitchFamily="18" charset="0"/>
-              </a:rPr>
-              <a:t>Couve</a:t>
-            </a:r>
-            <a:endParaRPr lang="pt-BR" b="0" i="0" dirty="0">
-              <a:solidFill>
-                <a:srgbClr val="000000"/>
-              </a:solidFill>
-              <a:effectLst/>
-              <a:latin typeface="Times New Roman" panose="02020603050405020304" pitchFamily="18" charset="0"/>
-            </a:endParaRPr>
-          </a:p>
-        </p:txBody>
-      </p:sp>
-      <p:sp>
-        <p:nvSpPr>
-          <p:cNvPr id="6" name="Retângulo 5">
-            <a:extLst>
-              <a:ext uri="{FF2B5EF4-FFF2-40B4-BE49-F238E27FC236}">
-                <a16:creationId xmlns:a16="http://schemas.microsoft.com/office/drawing/2014/main" id="{A46E7147-CA84-40F7-BE51-6D9841F5C494}"/>
-              </a:ext>
-            </a:extLst>
-          </p:cNvPr>
-          <p:cNvSpPr/>
-          <p:nvPr/>
-        </p:nvSpPr>
-        <p:spPr>
-          <a:xfrm>
-            <a:off x="7546975" y="4060852"/>
-            <a:ext cx="2057400" cy="2010807"/>
-          </a:xfrm>
-          <a:prstGeom prst="rect">
-            <a:avLst/>
-          </a:prstGeom>
-        </p:spPr>
-        <p:txBody>
-          <a:bodyPr wrap="square">
-            <a:spAutoFit/>
-          </a:bodyPr>
-          <a:lstStyle/>
-          <a:p>
-            <a:pPr>
-              <a:spcBef>
-                <a:spcPts val="150"/>
-              </a:spcBef>
-              <a:spcAft>
-                <a:spcPts val="150"/>
-              </a:spcAft>
-              <a:buFont typeface="+mj-lt"/>
-              <a:buAutoNum type="arabicPeriod"/>
-            </a:pPr>
-            <a:r>
-              <a:rPr lang="pt-BR" dirty="0">
-                <a:solidFill>
-                  <a:srgbClr val="000000"/>
-                </a:solidFill>
-                <a:latin typeface="Times New Roman" panose="02020603050405020304" pitchFamily="18" charset="0"/>
-              </a:rPr>
-              <a:t>Animais</a:t>
-            </a:r>
-          </a:p>
-          <a:p>
-            <a:pPr marL="742950" lvl="1" indent="-285750">
-              <a:spcBef>
-                <a:spcPts val="150"/>
-              </a:spcBef>
-              <a:spcAft>
-                <a:spcPts val="150"/>
-              </a:spcAft>
-              <a:buFont typeface="Arial" panose="020B0604020202020204" pitchFamily="34" charset="0"/>
-              <a:buChar char="•"/>
-            </a:pPr>
-            <a:r>
-              <a:rPr lang="pt-BR" dirty="0">
-                <a:solidFill>
-                  <a:srgbClr val="000000"/>
-                </a:solidFill>
-                <a:latin typeface="Times New Roman" panose="02020603050405020304" pitchFamily="18" charset="0"/>
-              </a:rPr>
-              <a:t>Cachorro</a:t>
-            </a:r>
-          </a:p>
-          <a:p>
-            <a:pPr marL="742950" lvl="1" indent="-285750">
-              <a:spcBef>
-                <a:spcPts val="150"/>
-              </a:spcBef>
-              <a:spcAft>
-                <a:spcPts val="150"/>
-              </a:spcAft>
-              <a:buFont typeface="Arial" panose="020B0604020202020204" pitchFamily="34" charset="0"/>
-              <a:buChar char="•"/>
-            </a:pPr>
-            <a:r>
-              <a:rPr lang="pt-BR" dirty="0">
-                <a:solidFill>
-                  <a:srgbClr val="000000"/>
-                </a:solidFill>
-                <a:latin typeface="Times New Roman" panose="02020603050405020304" pitchFamily="18" charset="0"/>
-              </a:rPr>
-              <a:t>Gato</a:t>
-            </a:r>
-          </a:p>
-          <a:p>
-            <a:pPr>
-              <a:spcBef>
-                <a:spcPts val="150"/>
-              </a:spcBef>
-              <a:spcAft>
-                <a:spcPts val="150"/>
-              </a:spcAft>
-              <a:buFont typeface="+mj-lt"/>
-              <a:buAutoNum type="arabicPeriod"/>
-            </a:pPr>
-            <a:r>
-              <a:rPr lang="pt-BR" dirty="0">
-                <a:solidFill>
-                  <a:srgbClr val="000000"/>
-                </a:solidFill>
-                <a:latin typeface="Times New Roman" panose="02020603050405020304" pitchFamily="18" charset="0"/>
-              </a:rPr>
-              <a:t>Veículos</a:t>
-            </a:r>
-          </a:p>
-          <a:p>
-            <a:pPr marL="742950" lvl="1" indent="-285750">
-              <a:spcBef>
-                <a:spcPts val="150"/>
-              </a:spcBef>
-              <a:spcAft>
-                <a:spcPts val="150"/>
-              </a:spcAft>
-              <a:buFont typeface="Arial" panose="020B0604020202020204" pitchFamily="34" charset="0"/>
-              <a:buChar char="•"/>
-            </a:pPr>
-            <a:r>
-              <a:rPr lang="pt-BR" dirty="0">
-                <a:solidFill>
-                  <a:srgbClr val="000000"/>
-                </a:solidFill>
-                <a:latin typeface="Times New Roman" panose="02020603050405020304" pitchFamily="18" charset="0"/>
-              </a:rPr>
-              <a:t>Carro</a:t>
-            </a:r>
-          </a:p>
-          <a:p>
-            <a:pPr marL="742950" lvl="1" indent="-285750">
-              <a:spcBef>
-                <a:spcPts val="150"/>
-              </a:spcBef>
-              <a:spcAft>
-                <a:spcPts val="150"/>
-              </a:spcAft>
-              <a:buFont typeface="Arial" panose="020B0604020202020204" pitchFamily="34" charset="0"/>
-              <a:buChar char="•"/>
-            </a:pPr>
-            <a:r>
-              <a:rPr lang="pt-BR" dirty="0">
-                <a:solidFill>
-                  <a:srgbClr val="000000"/>
-                </a:solidFill>
-                <a:latin typeface="Times New Roman" panose="02020603050405020304" pitchFamily="18" charset="0"/>
-              </a:rPr>
-              <a:t>Moto</a:t>
-            </a:r>
-            <a:endParaRPr lang="pt-BR" b="0" i="0" dirty="0">
-              <a:solidFill>
-                <a:srgbClr val="000000"/>
-              </a:solidFill>
-              <a:effectLst/>
-              <a:latin typeface="Times New Roman" panose="02020603050405020304" pitchFamily="18" charset="0"/>
-            </a:endParaRPr>
-          </a:p>
-        </p:txBody>
-      </p:sp>
-    </p:spTree>
-    <p:extLst>
-      <p:ext uri="{BB962C8B-B14F-4D97-AF65-F5344CB8AC3E}">
-        <p14:creationId xmlns:p14="http://schemas.microsoft.com/office/powerpoint/2010/main" val="1547093481"/>
       </p:ext>
     </p:extLst>
   </p:cSld>
